--- a/화면정의서.pptx
+++ b/화면정의서.pptx
@@ -38,6 +38,7 @@
     <p:sldId id="301" r:id="rId32"/>
     <p:sldId id="295" r:id="rId33"/>
     <p:sldId id="289" r:id="rId34"/>
+    <p:sldId id="302" r:id="rId35"/>
   </p:sldIdLst>
   <p:sldSz cx="12192000" cy="6858000"/>
   <p:notesSz cx="6858000" cy="9144000"/>
@@ -273,7 +274,7 @@
           <a:p>
             <a:fld id="{34DAB083-72CC-4FC1-8A6E-8E5504B6BB44}" type="datetimeFigureOut">
               <a:rPr lang="ko-KR" altLang="en-US" smtClean="0"/>
-              <a:t>2024-11-05</a:t>
+              <a:t>2024-11-06</a:t>
             </a:fld>
             <a:endParaRPr lang="ko-KR" altLang="en-US"/>
           </a:p>
@@ -441,7 +442,7 @@
           <a:p>
             <a:fld id="{34DAB083-72CC-4FC1-8A6E-8E5504B6BB44}" type="datetimeFigureOut">
               <a:rPr lang="ko-KR" altLang="en-US" smtClean="0"/>
-              <a:t>2024-11-05</a:t>
+              <a:t>2024-11-06</a:t>
             </a:fld>
             <a:endParaRPr lang="ko-KR" altLang="en-US"/>
           </a:p>
@@ -619,7 +620,7 @@
           <a:p>
             <a:fld id="{34DAB083-72CC-4FC1-8A6E-8E5504B6BB44}" type="datetimeFigureOut">
               <a:rPr lang="ko-KR" altLang="en-US" smtClean="0"/>
-              <a:t>2024-11-05</a:t>
+              <a:t>2024-11-06</a:t>
             </a:fld>
             <a:endParaRPr lang="ko-KR" altLang="en-US"/>
           </a:p>
@@ -787,7 +788,7 @@
           <a:p>
             <a:fld id="{34DAB083-72CC-4FC1-8A6E-8E5504B6BB44}" type="datetimeFigureOut">
               <a:rPr lang="ko-KR" altLang="en-US" smtClean="0"/>
-              <a:t>2024-11-05</a:t>
+              <a:t>2024-11-06</a:t>
             </a:fld>
             <a:endParaRPr lang="ko-KR" altLang="en-US"/>
           </a:p>
@@ -1032,7 +1033,7 @@
           <a:p>
             <a:fld id="{34DAB083-72CC-4FC1-8A6E-8E5504B6BB44}" type="datetimeFigureOut">
               <a:rPr lang="ko-KR" altLang="en-US" smtClean="0"/>
-              <a:t>2024-11-05</a:t>
+              <a:t>2024-11-06</a:t>
             </a:fld>
             <a:endParaRPr lang="ko-KR" altLang="en-US"/>
           </a:p>
@@ -1261,7 +1262,7 @@
           <a:p>
             <a:fld id="{34DAB083-72CC-4FC1-8A6E-8E5504B6BB44}" type="datetimeFigureOut">
               <a:rPr lang="ko-KR" altLang="en-US" smtClean="0"/>
-              <a:t>2024-11-05</a:t>
+              <a:t>2024-11-06</a:t>
             </a:fld>
             <a:endParaRPr lang="ko-KR" altLang="en-US"/>
           </a:p>
@@ -1625,7 +1626,7 @@
           <a:p>
             <a:fld id="{34DAB083-72CC-4FC1-8A6E-8E5504B6BB44}" type="datetimeFigureOut">
               <a:rPr lang="ko-KR" altLang="en-US" smtClean="0"/>
-              <a:t>2024-11-05</a:t>
+              <a:t>2024-11-06</a:t>
             </a:fld>
             <a:endParaRPr lang="ko-KR" altLang="en-US"/>
           </a:p>
@@ -1742,7 +1743,7 @@
           <a:p>
             <a:fld id="{34DAB083-72CC-4FC1-8A6E-8E5504B6BB44}" type="datetimeFigureOut">
               <a:rPr lang="ko-KR" altLang="en-US" smtClean="0"/>
-              <a:t>2024-11-05</a:t>
+              <a:t>2024-11-06</a:t>
             </a:fld>
             <a:endParaRPr lang="ko-KR" altLang="en-US"/>
           </a:p>
@@ -1837,7 +1838,7 @@
           <a:p>
             <a:fld id="{34DAB083-72CC-4FC1-8A6E-8E5504B6BB44}" type="datetimeFigureOut">
               <a:rPr lang="ko-KR" altLang="en-US" smtClean="0"/>
-              <a:t>2024-11-05</a:t>
+              <a:t>2024-11-06</a:t>
             </a:fld>
             <a:endParaRPr lang="ko-KR" altLang="en-US"/>
           </a:p>
@@ -2112,7 +2113,7 @@
           <a:p>
             <a:fld id="{34DAB083-72CC-4FC1-8A6E-8E5504B6BB44}" type="datetimeFigureOut">
               <a:rPr lang="ko-KR" altLang="en-US" smtClean="0"/>
-              <a:t>2024-11-05</a:t>
+              <a:t>2024-11-06</a:t>
             </a:fld>
             <a:endParaRPr lang="ko-KR" altLang="en-US"/>
           </a:p>
@@ -2364,7 +2365,7 @@
           <a:p>
             <a:fld id="{34DAB083-72CC-4FC1-8A6E-8E5504B6BB44}" type="datetimeFigureOut">
               <a:rPr lang="ko-KR" altLang="en-US" smtClean="0"/>
-              <a:t>2024-11-05</a:t>
+              <a:t>2024-11-06</a:t>
             </a:fld>
             <a:endParaRPr lang="ko-KR" altLang="en-US"/>
           </a:p>
@@ -2575,7 +2576,7 @@
           <a:p>
             <a:fld id="{34DAB083-72CC-4FC1-8A6E-8E5504B6BB44}" type="datetimeFigureOut">
               <a:rPr lang="ko-KR" altLang="en-US" smtClean="0"/>
-              <a:t>2024-11-05</a:t>
+              <a:t>2024-11-06</a:t>
             </a:fld>
             <a:endParaRPr lang="ko-KR" altLang="en-US"/>
           </a:p>
@@ -3380,11 +3381,7 @@
             </a:r>
             <a:r>
               <a:rPr lang="ko-KR" altLang="en-US" sz="1400" dirty="0" smtClean="0"/>
-              <a:t>후 </a:t>
-            </a:r>
-            <a:r>
-              <a:rPr lang="ko-KR" altLang="en-US" sz="1400" dirty="0" smtClean="0"/>
-              <a:t>선택</a:t>
+              <a:t>후 선택</a:t>
             </a:r>
             <a:endParaRPr lang="en-US" altLang="ko-KR" sz="1400" dirty="0" smtClean="0"/>
           </a:p>
@@ -3409,11 +3406,7 @@
             </a:r>
             <a:r>
               <a:rPr lang="ko-KR" altLang="en-US" sz="1400" dirty="0" smtClean="0"/>
-              <a:t>상품의 이미지를 저장공간에서 선택 후 </a:t>
-            </a:r>
-            <a:r>
-              <a:rPr lang="ko-KR" altLang="en-US" sz="1400" dirty="0" smtClean="0"/>
-              <a:t>업로드</a:t>
+              <a:t>상품의 이미지를 저장공간에서 선택 후 업로드</a:t>
             </a:r>
             <a:endParaRPr lang="en-US" altLang="ko-KR" sz="1400" dirty="0" smtClean="0"/>
           </a:p>
@@ -3438,11 +3431,7 @@
             </a:r>
             <a:r>
               <a:rPr lang="ko-KR" altLang="en-US" sz="1400" dirty="0" smtClean="0"/>
-              <a:t>작업들을 취소하고 이전 페이지로 </a:t>
-            </a:r>
-            <a:r>
-              <a:rPr lang="ko-KR" altLang="en-US" sz="1400" dirty="0" smtClean="0"/>
-              <a:t>이동</a:t>
+              <a:t>작업들을 취소하고 이전 페이지로 이동</a:t>
             </a:r>
             <a:endParaRPr lang="en-US" altLang="ko-KR" sz="1400" dirty="0" smtClean="0"/>
           </a:p>
@@ -4021,11 +4010,7 @@
             </a:r>
             <a:r>
               <a:rPr lang="ko-KR" altLang="en-US" sz="1400" dirty="0" smtClean="0"/>
-              <a:t>해당 상품의 정보를 </a:t>
-            </a:r>
-            <a:r>
-              <a:rPr lang="ko-KR" altLang="en-US" sz="1400" dirty="0" smtClean="0"/>
-              <a:t>삭제</a:t>
+              <a:t>해당 상품의 정보를 삭제</a:t>
             </a:r>
             <a:endParaRPr lang="en-US" altLang="ko-KR" sz="1400" dirty="0" smtClean="0"/>
           </a:p>
@@ -4581,11 +4566,7 @@
             </a:r>
             <a:r>
               <a:rPr lang="ko-KR" altLang="en-US" sz="1600" dirty="0" smtClean="0"/>
-              <a:t>상품 </a:t>
-            </a:r>
-            <a:r>
-              <a:rPr lang="ko-KR" altLang="en-US" sz="1600" dirty="0" smtClean="0"/>
-              <a:t>정보 표시</a:t>
+              <a:t>상품 정보 표시</a:t>
             </a:r>
             <a:endParaRPr lang="en-US" altLang="ko-KR" sz="1600" dirty="0"/>
           </a:p>
@@ -4596,11 +4577,7 @@
             </a:r>
             <a:r>
               <a:rPr lang="ko-KR" altLang="en-US" sz="1400" dirty="0" smtClean="0"/>
-              <a:t>상품 </a:t>
-            </a:r>
-            <a:r>
-              <a:rPr lang="ko-KR" altLang="en-US" sz="1400" dirty="0" smtClean="0"/>
-              <a:t>이미지</a:t>
+              <a:t>상품 이미지</a:t>
             </a:r>
             <a:r>
               <a:rPr lang="en-US" altLang="ko-KR" sz="1400" dirty="0" smtClean="0"/>
@@ -4677,11 +4654,7 @@
             </a:r>
             <a:r>
               <a:rPr lang="ko-KR" altLang="en-US" sz="1400" dirty="0" smtClean="0"/>
-              <a:t> </a:t>
-            </a:r>
-            <a:r>
-              <a:rPr lang="ko-KR" altLang="en-US" sz="1400" dirty="0" smtClean="0"/>
-              <a:t>등 정보 표시</a:t>
+              <a:t> 등 정보 표시</a:t>
             </a:r>
             <a:endParaRPr lang="en-US" altLang="ko-KR" sz="1400" dirty="0" smtClean="0"/>
           </a:p>
@@ -4718,11 +4691,7 @@
             </a:r>
             <a:r>
               <a:rPr lang="ko-KR" altLang="en-US" sz="1400" dirty="0" smtClean="0"/>
-              <a:t>개수를 </a:t>
-            </a:r>
-            <a:r>
-              <a:rPr lang="ko-KR" altLang="en-US" sz="1400" dirty="0" smtClean="0"/>
-              <a:t>선택해 장바구니에 담기</a:t>
+              <a:t>개수를 선택해 장바구니에 담기</a:t>
             </a:r>
             <a:r>
               <a:rPr lang="en-US" altLang="ko-KR" sz="1400" dirty="0" smtClean="0"/>
@@ -4732,11 +4701,7 @@
           <a:p>
             <a:r>
               <a:rPr lang="ko-KR" altLang="en-US" sz="1400" dirty="0" smtClean="0"/>
-              <a:t>  바로 </a:t>
-            </a:r>
-            <a:r>
-              <a:rPr lang="ko-KR" altLang="en-US" sz="1400" dirty="0" smtClean="0"/>
-              <a:t>구매 기능</a:t>
+              <a:t>  바로 구매 기능</a:t>
             </a:r>
             <a:endParaRPr lang="en-US" altLang="ko-KR" sz="1400" dirty="0" smtClean="0"/>
           </a:p>
@@ -4772,11 +4737,7 @@
             </a:r>
             <a:r>
               <a:rPr lang="ko-KR" altLang="en-US" sz="1400" dirty="0" smtClean="0"/>
-              <a:t>상품이 </a:t>
-            </a:r>
-            <a:r>
-              <a:rPr lang="ko-KR" altLang="en-US" sz="1400" dirty="0" smtClean="0"/>
-              <a:t>위시리스트에 담김</a:t>
+              <a:t>상품이 위시리스트에 담김</a:t>
             </a:r>
             <a:endParaRPr lang="en-US" altLang="ko-KR" sz="1400" dirty="0" smtClean="0"/>
           </a:p>
@@ -4786,11 +4747,7 @@
           <a:p>
             <a:r>
               <a:rPr lang="en-US" altLang="ko-KR" sz="1600" dirty="0" smtClean="0"/>
-              <a:t>4</a:t>
-            </a:r>
-            <a:r>
-              <a:rPr lang="en-US" altLang="ko-KR" sz="1600" dirty="0" smtClean="0"/>
-              <a:t>. </a:t>
+              <a:t>4. </a:t>
             </a:r>
             <a:r>
               <a:rPr lang="ko-KR" altLang="en-US" sz="1600" dirty="0" smtClean="0"/>
@@ -4805,11 +4762,7 @@
             </a:r>
             <a:r>
               <a:rPr lang="ko-KR" altLang="en-US" sz="1400" dirty="0" smtClean="0"/>
-              <a:t>해당 </a:t>
-            </a:r>
-            <a:r>
-              <a:rPr lang="ko-KR" altLang="en-US" sz="1400" dirty="0" smtClean="0"/>
-              <a:t>상품에 등록된 리뷰나 문의 등</a:t>
+              <a:t>해당 상품에 등록된 리뷰나 문의 등</a:t>
             </a:r>
             <a:endParaRPr lang="en-US" altLang="ko-KR" sz="1400" dirty="0" smtClean="0"/>
           </a:p>
@@ -5253,11 +5206,7 @@
             </a:r>
             <a:r>
               <a:rPr lang="ko-KR" altLang="en-US" sz="1400" dirty="0" smtClean="0"/>
-              <a:t>상품 </a:t>
-            </a:r>
-            <a:r>
-              <a:rPr lang="ko-KR" altLang="en-US" sz="1400" dirty="0" smtClean="0"/>
-              <a:t>이미지와 이름</a:t>
+              <a:t>상품 이미지와 이름</a:t>
             </a:r>
             <a:r>
               <a:rPr lang="en-US" altLang="ko-KR" sz="1400" dirty="0" smtClean="0"/>
@@ -5272,11 +5221,7 @@
           <a:p>
             <a:r>
               <a:rPr lang="en-US" altLang="ko-KR" sz="1400" dirty="0" smtClean="0"/>
-              <a:t>  </a:t>
-            </a:r>
-            <a:r>
-              <a:rPr lang="en-US" altLang="ko-KR" sz="1400" dirty="0" smtClean="0"/>
-              <a:t>10</a:t>
+              <a:t>  10</a:t>
             </a:r>
             <a:r>
               <a:rPr lang="ko-KR" altLang="en-US" sz="1400" dirty="0" smtClean="0"/>
@@ -5646,11 +5591,7 @@
             </a:r>
             <a:r>
               <a:rPr lang="ko-KR" altLang="en-US" sz="1600" dirty="0" smtClean="0"/>
-              <a:t>상품 </a:t>
-            </a:r>
-            <a:r>
-              <a:rPr lang="ko-KR" altLang="en-US" sz="1600" dirty="0" smtClean="0"/>
-              <a:t>목록 조회</a:t>
+              <a:t>상품 목록 조회</a:t>
             </a:r>
             <a:endParaRPr lang="en-US" altLang="ko-KR" sz="1600" dirty="0" smtClean="0"/>
           </a:p>
@@ -5661,11 +5602,7 @@
             </a:r>
             <a:r>
               <a:rPr lang="ko-KR" altLang="en-US" sz="1400" dirty="0" smtClean="0"/>
-              <a:t>상품 </a:t>
-            </a:r>
-            <a:r>
-              <a:rPr lang="ko-KR" altLang="en-US" sz="1400" dirty="0" smtClean="0"/>
-              <a:t>이미지</a:t>
+              <a:t>상품 이미지</a:t>
             </a:r>
             <a:r>
               <a:rPr lang="en-US" altLang="ko-KR" sz="1400" dirty="0" smtClean="0"/>
@@ -5691,11 +5628,7 @@
           <a:p>
             <a:r>
               <a:rPr lang="ko-KR" altLang="en-US" sz="1400" dirty="0" smtClean="0"/>
-              <a:t>  체크박스와 </a:t>
-            </a:r>
-            <a:r>
-              <a:rPr lang="ko-KR" altLang="en-US" sz="1400" dirty="0" smtClean="0"/>
-              <a:t>수량을 선택해 조절 가능</a:t>
+              <a:t>  체크박스와 수량을 선택해 조절 가능</a:t>
             </a:r>
             <a:endParaRPr lang="en-US" altLang="ko-KR" sz="1400" dirty="0" smtClean="0"/>
           </a:p>
@@ -5705,19 +5638,11 @@
           <a:p>
             <a:r>
               <a:rPr lang="en-US" altLang="ko-KR" sz="1600" dirty="0" smtClean="0"/>
-              <a:t>2</a:t>
-            </a:r>
-            <a:r>
-              <a:rPr lang="en-US" altLang="ko-KR" sz="1600" dirty="0" smtClean="0"/>
-              <a:t>. </a:t>
+              <a:t>2. </a:t>
             </a:r>
             <a:r>
               <a:rPr lang="ko-KR" altLang="en-US" sz="1600" dirty="0" smtClean="0"/>
-              <a:t>장바구니로 </a:t>
-            </a:r>
-            <a:r>
-              <a:rPr lang="ko-KR" altLang="en-US" sz="1600" dirty="0" smtClean="0"/>
-              <a:t>이동</a:t>
+              <a:t>장바구니로 이동</a:t>
             </a:r>
             <a:endParaRPr lang="en-US" altLang="ko-KR" sz="1600" dirty="0" smtClean="0"/>
           </a:p>
@@ -5728,11 +5653,7 @@
             </a:r>
             <a:r>
               <a:rPr lang="ko-KR" altLang="en-US" sz="1400" dirty="0" smtClean="0"/>
-              <a:t>체크박스에 </a:t>
-            </a:r>
-            <a:r>
-              <a:rPr lang="ko-KR" altLang="en-US" sz="1400" dirty="0" smtClean="0"/>
-              <a:t>표시된 상품만 이동</a:t>
+              <a:t>체크박스에 표시된 상품만 이동</a:t>
             </a:r>
             <a:r>
               <a:rPr lang="en-US" altLang="ko-KR" sz="1400" dirty="0" smtClean="0"/>
@@ -5742,11 +5663,7 @@
           <a:p>
             <a:r>
               <a:rPr lang="ko-KR" altLang="en-US" sz="1400" dirty="0" smtClean="0"/>
-              <a:t>  전체 </a:t>
-            </a:r>
-            <a:r>
-              <a:rPr lang="ko-KR" altLang="en-US" sz="1400" dirty="0" smtClean="0"/>
-              <a:t>상품 이동 선택 가능</a:t>
+              <a:t>  전체 상품 이동 선택 가능</a:t>
             </a:r>
             <a:endParaRPr lang="en-US" altLang="ko-KR" sz="1400" dirty="0"/>
           </a:p>
@@ -6072,11 +5989,7 @@
           <a:p>
             <a:r>
               <a:rPr lang="ko-KR" altLang="en-US" sz="1400" dirty="0" smtClean="0"/>
-              <a:t>  </a:t>
-            </a:r>
-            <a:r>
-              <a:rPr lang="ko-KR" altLang="en-US" sz="1400" dirty="0" smtClean="0"/>
-              <a:t> 이동</a:t>
+              <a:t>   이동</a:t>
             </a:r>
             <a:endParaRPr lang="en-US" altLang="ko-KR" sz="1400" dirty="0" smtClean="0"/>
           </a:p>
@@ -6090,11 +6003,7 @@
             </a:r>
             <a:r>
               <a:rPr lang="ko-KR" altLang="en-US" sz="1400" dirty="0" smtClean="0"/>
-              <a:t>상품 </a:t>
-            </a:r>
-            <a:r>
-              <a:rPr lang="ko-KR" altLang="en-US" sz="1400" dirty="0" smtClean="0"/>
-              <a:t>선택</a:t>
+              <a:t>상품 선택</a:t>
             </a:r>
             <a:endParaRPr lang="en-US" altLang="ko-KR" sz="1400" dirty="0" smtClean="0"/>
           </a:p>
@@ -6105,26 +6014,14 @@
             </a:r>
             <a:r>
               <a:rPr lang="ko-KR" altLang="en-US" sz="1400" dirty="0" smtClean="0"/>
-              <a:t>체크박스가 </a:t>
-            </a:r>
-            <a:r>
-              <a:rPr lang="ko-KR" altLang="en-US" sz="1400" dirty="0" smtClean="0"/>
-              <a:t>체크된 상품만 상호작용할</a:t>
+              <a:t>체크박스가 체크된 상품만 상호작용할</a:t>
             </a:r>
             <a:endParaRPr lang="en-US" altLang="ko-KR" sz="1400" dirty="0" smtClean="0"/>
           </a:p>
           <a:p>
             <a:r>
               <a:rPr lang="ko-KR" altLang="en-US" sz="1400" dirty="0" smtClean="0"/>
-              <a:t>  </a:t>
-            </a:r>
-            <a:r>
-              <a:rPr lang="ko-KR" altLang="en-US" sz="1400" dirty="0" smtClean="0"/>
-              <a:t>수 </a:t>
-            </a:r>
-            <a:r>
-              <a:rPr lang="ko-KR" altLang="en-US" sz="1400" dirty="0" smtClean="0"/>
-              <a:t>있도록 하는 </a:t>
+              <a:t>  수 있도록 하는 </a:t>
             </a:r>
             <a:r>
               <a:rPr lang="ko-KR" altLang="en-US" sz="1400" dirty="0" err="1" smtClean="0"/>
@@ -6142,11 +6039,7 @@
             </a:r>
             <a:r>
               <a:rPr lang="ko-KR" altLang="en-US" sz="1400" dirty="0" smtClean="0"/>
-              <a:t>수량 </a:t>
-            </a:r>
-            <a:r>
-              <a:rPr lang="ko-KR" altLang="en-US" sz="1400" dirty="0" smtClean="0"/>
-              <a:t>조절</a:t>
+              <a:t>수량 조절</a:t>
             </a:r>
             <a:endParaRPr lang="en-US" altLang="ko-KR" sz="1400" dirty="0" smtClean="0"/>
           </a:p>
@@ -6222,11 +6115,7 @@
             </a:r>
             <a:r>
               <a:rPr lang="ko-KR" altLang="en-US" sz="1400" dirty="0" smtClean="0"/>
-              <a:t>모든 </a:t>
-            </a:r>
-            <a:r>
-              <a:rPr lang="ko-KR" altLang="en-US" sz="1400" dirty="0" smtClean="0"/>
-              <a:t>상품의 체크박스를 체크 </a:t>
+              <a:t>모든 상품의 체크박스를 체크 </a:t>
             </a:r>
             <a:endParaRPr lang="en-US" altLang="ko-KR" sz="1400" dirty="0" smtClean="0"/>
           </a:p>
@@ -6241,11 +6130,7 @@
             </a:r>
             <a:r>
               <a:rPr lang="ko-KR" altLang="en-US" sz="1400" dirty="0" smtClean="0"/>
-              <a:t> </a:t>
-            </a:r>
-            <a:r>
-              <a:rPr lang="ko-KR" altLang="en-US" sz="1400" dirty="0" smtClean="0"/>
-              <a:t>버튼 클릭 시 체크박스가 </a:t>
+              <a:t> 버튼 클릭 시 체크박스가 </a:t>
             </a:r>
             <a:endParaRPr lang="en-US" altLang="ko-KR" sz="1400" dirty="0" smtClean="0"/>
           </a:p>
@@ -6260,11 +6145,7 @@
             </a:r>
             <a:r>
               <a:rPr lang="ko-KR" altLang="en-US" sz="1400" dirty="0" smtClean="0"/>
-              <a:t>체크된 </a:t>
-            </a:r>
-            <a:r>
-              <a:rPr lang="ko-KR" altLang="en-US" sz="1400" dirty="0" smtClean="0"/>
-              <a:t>상품을 장바구니에서 제외</a:t>
+              <a:t>체크된 상품을 장바구니에서 제외</a:t>
             </a:r>
             <a:endParaRPr lang="en-US" altLang="ko-KR" sz="1400" dirty="0" smtClean="0"/>
           </a:p>
@@ -6289,11 +6170,7 @@
             </a:r>
             <a:r>
               <a:rPr lang="ko-KR" altLang="en-US" sz="1400" dirty="0" smtClean="0"/>
-              <a:t>구매하기 </a:t>
-            </a:r>
-            <a:r>
-              <a:rPr lang="ko-KR" altLang="en-US" sz="1400" dirty="0" smtClean="0"/>
-              <a:t>버튼 클릭 시 체크된 상품만</a:t>
+              <a:t>구매하기 버튼 클릭 시 체크된 상품만</a:t>
             </a:r>
             <a:endParaRPr lang="en-US" altLang="ko-KR" sz="1400" dirty="0" smtClean="0"/>
           </a:p>
@@ -6308,11 +6185,7 @@
             </a:r>
             <a:r>
               <a:rPr lang="ko-KR" altLang="en-US" sz="1400" dirty="0" smtClean="0"/>
-              <a:t>합산하여 </a:t>
-            </a:r>
-            <a:r>
-              <a:rPr lang="ko-KR" altLang="en-US" sz="1400" dirty="0" smtClean="0"/>
-              <a:t>결제 페이지로 이동</a:t>
+              <a:t>합산하여 결제 페이지로 이동</a:t>
             </a:r>
             <a:endParaRPr lang="en-US" altLang="ko-KR" sz="1400" dirty="0" smtClean="0"/>
           </a:p>
@@ -6714,11 +6587,7 @@
             </a:r>
             <a:r>
               <a:rPr lang="ko-KR" altLang="en-US" sz="1600" dirty="0" smtClean="0"/>
-              <a:t>주문자의 </a:t>
-            </a:r>
-            <a:r>
-              <a:rPr lang="ko-KR" altLang="en-US" sz="1600" dirty="0" smtClean="0"/>
-              <a:t>정보를 가져와 표시</a:t>
+              <a:t>주문자의 정보를 가져와 표시</a:t>
             </a:r>
             <a:endParaRPr lang="en-US" altLang="ko-KR" sz="1600" dirty="0" smtClean="0"/>
           </a:p>
@@ -6733,11 +6602,7 @@
             </a:r>
             <a:r>
               <a:rPr lang="ko-KR" altLang="en-US" sz="1400" dirty="0" smtClean="0"/>
-              <a:t> </a:t>
-            </a:r>
-            <a:r>
-              <a:rPr lang="ko-KR" altLang="en-US" sz="1400" dirty="0" smtClean="0"/>
-              <a:t>선택 가능</a:t>
+              <a:t> 선택 가능</a:t>
             </a:r>
             <a:endParaRPr lang="en-US" altLang="ko-KR" sz="1400" dirty="0" smtClean="0"/>
           </a:p>
@@ -6747,19 +6612,11 @@
           <a:p>
             <a:r>
               <a:rPr lang="en-US" altLang="ko-KR" sz="1600" dirty="0" smtClean="0"/>
-              <a:t>2</a:t>
-            </a:r>
-            <a:r>
-              <a:rPr lang="en-US" altLang="ko-KR" sz="1600" dirty="0" smtClean="0"/>
-              <a:t>. </a:t>
+              <a:t>2. </a:t>
             </a:r>
             <a:r>
               <a:rPr lang="ko-KR" altLang="en-US" sz="1600" dirty="0" smtClean="0"/>
-              <a:t>구매하는 </a:t>
-            </a:r>
-            <a:r>
-              <a:rPr lang="ko-KR" altLang="en-US" sz="1600" dirty="0" smtClean="0"/>
-              <a:t>상품 리스트 표시</a:t>
+              <a:t>구매하는 상품 리스트 표시</a:t>
             </a:r>
             <a:endParaRPr lang="en-US" altLang="ko-KR" sz="1600" dirty="0" smtClean="0"/>
           </a:p>
@@ -6770,11 +6627,7 @@
             </a:r>
             <a:r>
               <a:rPr lang="ko-KR" altLang="en-US" sz="1400" dirty="0" smtClean="0"/>
-              <a:t>개수 </a:t>
-            </a:r>
-            <a:r>
-              <a:rPr lang="ko-KR" altLang="en-US" sz="1400" dirty="0" smtClean="0"/>
-              <a:t>선택 가능</a:t>
+              <a:t>개수 선택 가능</a:t>
             </a:r>
             <a:endParaRPr lang="en-US" altLang="ko-KR" sz="1400" dirty="0" smtClean="0"/>
           </a:p>
@@ -6788,11 +6641,7 @@
             </a:r>
             <a:r>
               <a:rPr lang="ko-KR" altLang="en-US" sz="1600" dirty="0" smtClean="0"/>
-              <a:t>결제 </a:t>
-            </a:r>
-            <a:r>
-              <a:rPr lang="ko-KR" altLang="en-US" sz="1600" dirty="0" smtClean="0"/>
-              <a:t>수단 선택 기능</a:t>
+              <a:t>결제 수단 선택 기능</a:t>
             </a:r>
             <a:endParaRPr lang="en-US" altLang="ko-KR" sz="1600" dirty="0" smtClean="0"/>
           </a:p>
@@ -7247,11 +7096,7 @@
             </a:r>
             <a:r>
               <a:rPr lang="ko-KR" altLang="en-US" sz="1600" dirty="0" smtClean="0"/>
-              <a:t>기간별 </a:t>
-            </a:r>
-            <a:r>
-              <a:rPr lang="ko-KR" altLang="en-US" sz="1600" dirty="0" smtClean="0"/>
-              <a:t>검색 기능</a:t>
+              <a:t>기간별 검색 기능</a:t>
             </a:r>
             <a:endParaRPr lang="en-US" altLang="ko-KR" sz="1600" dirty="0" smtClean="0"/>
           </a:p>
@@ -7338,11 +7183,7 @@
             </a:r>
             <a:r>
               <a:rPr lang="ko-KR" altLang="en-US" sz="1400" dirty="0" smtClean="0"/>
-              <a:t>로 </a:t>
-            </a:r>
-            <a:r>
-              <a:rPr lang="ko-KR" altLang="en-US" sz="1400" dirty="0" smtClean="0"/>
-              <a:t>이동 가능</a:t>
+              <a:t>로 이동 가능</a:t>
             </a:r>
             <a:endParaRPr lang="en-US" altLang="ko-KR" sz="1400" dirty="0" smtClean="0"/>
           </a:p>
@@ -7356,11 +7197,7 @@
             </a:r>
             <a:r>
               <a:rPr lang="ko-KR" altLang="en-US" sz="1600" dirty="0" smtClean="0"/>
-              <a:t>여러 </a:t>
-            </a:r>
-            <a:r>
-              <a:rPr lang="ko-KR" altLang="en-US" sz="1600" dirty="0" smtClean="0"/>
-              <a:t>가지 메뉴들</a:t>
+              <a:t>여러 가지 메뉴들</a:t>
             </a:r>
             <a:endParaRPr lang="en-US" altLang="ko-KR" sz="1600" dirty="0" smtClean="0"/>
           </a:p>
@@ -7800,11 +7637,7 @@
             </a:r>
             <a:r>
               <a:rPr lang="ko-KR" altLang="en-US" sz="1600" dirty="0" smtClean="0"/>
-              <a:t>우편번호 </a:t>
-            </a:r>
-            <a:r>
-              <a:rPr lang="ko-KR" altLang="en-US" sz="1600" dirty="0" smtClean="0"/>
-              <a:t>찾기</a:t>
+              <a:t>우편번호 찾기</a:t>
             </a:r>
             <a:endParaRPr lang="en-US" altLang="ko-KR" sz="1600" dirty="0" smtClean="0"/>
           </a:p>
@@ -7815,11 +7648,7 @@
             </a:r>
             <a:r>
               <a:rPr lang="ko-KR" altLang="en-US" sz="1400" dirty="0" smtClean="0"/>
-              <a:t>우편번호 </a:t>
-            </a:r>
-            <a:r>
-              <a:rPr lang="ko-KR" altLang="en-US" sz="1400" dirty="0" smtClean="0"/>
-              <a:t>찾기가 가능한 </a:t>
+              <a:t>우편번호 찾기가 가능한 </a:t>
             </a:r>
             <a:r>
               <a:rPr lang="ko-KR" altLang="en-US" sz="1400" dirty="0" err="1" smtClean="0"/>
@@ -7841,11 +7670,7 @@
             </a:r>
             <a:r>
               <a:rPr lang="ko-KR" altLang="en-US" sz="1600" dirty="0" smtClean="0"/>
-              <a:t>휴대폰 </a:t>
-            </a:r>
-            <a:r>
-              <a:rPr lang="ko-KR" altLang="en-US" sz="1600" dirty="0" smtClean="0"/>
-              <a:t>번호 추가하기 </a:t>
+              <a:t>휴대폰 번호 추가하기 </a:t>
             </a:r>
             <a:endParaRPr lang="en-US" altLang="ko-KR" sz="1600" dirty="0" smtClean="0"/>
           </a:p>
@@ -7893,11 +7718,7 @@
             </a:r>
             <a:r>
               <a:rPr lang="ko-KR" altLang="en-US" sz="1600" dirty="0" smtClean="0"/>
-              <a:t>주소 </a:t>
-            </a:r>
-            <a:r>
-              <a:rPr lang="ko-KR" altLang="en-US" sz="1600" dirty="0" smtClean="0"/>
-              <a:t>작성하기</a:t>
+              <a:t>주소 작성하기</a:t>
             </a:r>
             <a:endParaRPr lang="en-US" altLang="ko-KR" sz="1600" dirty="0" smtClean="0"/>
           </a:p>
@@ -7908,11 +7729,7 @@
             </a:r>
             <a:r>
               <a:rPr lang="ko-KR" altLang="en-US" sz="1400" dirty="0" smtClean="0"/>
-              <a:t>상세 </a:t>
-            </a:r>
-            <a:r>
-              <a:rPr lang="ko-KR" altLang="en-US" sz="1400" dirty="0" smtClean="0"/>
-              <a:t>주소를 작성할 수 있는 페이지로 </a:t>
+              <a:t>상세 주소를 작성할 수 있는 페이지로 </a:t>
             </a:r>
             <a:endParaRPr lang="en-US" altLang="ko-KR" sz="1400" dirty="0"/>
           </a:p>
@@ -7983,11 +7800,7 @@
             </a:r>
             <a:r>
               <a:rPr lang="ko-KR" altLang="en-US" sz="1400" dirty="0" smtClean="0"/>
-              <a:t>배송지로 </a:t>
-            </a:r>
-            <a:r>
-              <a:rPr lang="ko-KR" altLang="en-US" sz="1400" dirty="0" smtClean="0"/>
-              <a:t>자동 변경</a:t>
+              <a:t>배송지로 자동 변경</a:t>
             </a:r>
             <a:endParaRPr lang="en-US" altLang="ko-KR" sz="1400" dirty="0" smtClean="0"/>
           </a:p>
@@ -8012,11 +7825,7 @@
             </a:r>
             <a:r>
               <a:rPr lang="ko-KR" altLang="en-US" sz="1400" dirty="0" smtClean="0"/>
-              <a:t>저장하기 </a:t>
-            </a:r>
-            <a:r>
-              <a:rPr lang="ko-KR" altLang="en-US" sz="1400" dirty="0" smtClean="0"/>
-              <a:t>버튼 클릭 시 지금까지 작성한 </a:t>
+              <a:t>저장하기 버튼 클릭 시 지금까지 작성한 </a:t>
             </a:r>
             <a:endParaRPr lang="en-US" altLang="ko-KR" sz="1400" dirty="0" smtClean="0"/>
           </a:p>
@@ -8027,11 +7836,7 @@
             </a:r>
             <a:r>
               <a:rPr lang="ko-KR" altLang="en-US" sz="1400" dirty="0" smtClean="0"/>
-              <a:t>내용을 </a:t>
-            </a:r>
-            <a:r>
-              <a:rPr lang="ko-KR" altLang="en-US" sz="1400" dirty="0" smtClean="0"/>
-              <a:t>저장</a:t>
+              <a:t>내용을 저장</a:t>
             </a:r>
             <a:endParaRPr lang="en-US" altLang="ko-KR" sz="1400" dirty="0"/>
           </a:p>
@@ -8430,11 +8235,7 @@
           <a:p>
             <a:r>
               <a:rPr lang="en-US" altLang="ko-KR" sz="1600" dirty="0" smtClean="0"/>
-              <a:t>1</a:t>
-            </a:r>
-            <a:r>
-              <a:rPr lang="en-US" altLang="ko-KR" sz="1600" dirty="0" smtClean="0"/>
-              <a:t>. </a:t>
+              <a:t>1. </a:t>
             </a:r>
             <a:r>
               <a:rPr lang="ko-KR" altLang="en-US" sz="1600" dirty="0" smtClean="0"/>
@@ -8449,11 +8250,7 @@
             </a:r>
             <a:r>
               <a:rPr lang="ko-KR" altLang="en-US" sz="1400" dirty="0" smtClean="0"/>
-              <a:t>기존 </a:t>
-            </a:r>
-            <a:r>
-              <a:rPr lang="ko-KR" altLang="en-US" sz="1400" dirty="0" smtClean="0"/>
-              <a:t>작성되어 있던 주소를 수정할 수</a:t>
+              <a:t>기존 작성되어 있던 주소를 수정할 수</a:t>
             </a:r>
             <a:endParaRPr lang="en-US" altLang="ko-KR" sz="1400" dirty="0" smtClean="0"/>
           </a:p>
@@ -8468,11 +8265,7 @@
             </a:r>
             <a:r>
               <a:rPr lang="ko-KR" altLang="en-US" sz="1400" dirty="0" smtClean="0"/>
-              <a:t>있는 </a:t>
-            </a:r>
-            <a:r>
-              <a:rPr lang="ko-KR" altLang="en-US" sz="1400" dirty="0" smtClean="0"/>
-              <a:t>페이지로 이동</a:t>
+              <a:t>있는 페이지로 이동</a:t>
             </a:r>
             <a:endParaRPr lang="en-US" altLang="ko-KR" sz="1400" dirty="0" smtClean="0"/>
           </a:p>
@@ -8486,11 +8279,7 @@
           <a:p>
             <a:r>
               <a:rPr lang="en-US" altLang="ko-KR" sz="1600" dirty="0" smtClean="0"/>
-              <a:t>2</a:t>
-            </a:r>
-            <a:r>
-              <a:rPr lang="en-US" altLang="ko-KR" sz="1600" dirty="0" smtClean="0"/>
-              <a:t>. </a:t>
+              <a:t>2. </a:t>
             </a:r>
             <a:r>
               <a:rPr lang="ko-KR" altLang="en-US" sz="1600" dirty="0" smtClean="0"/>
@@ -8524,15 +8313,7 @@
           <a:p>
             <a:r>
               <a:rPr lang="ko-KR" altLang="en-US" sz="1400" dirty="0" smtClean="0"/>
-              <a:t>   </a:t>
-            </a:r>
-            <a:r>
-              <a:rPr lang="ko-KR" altLang="en-US" sz="1400" dirty="0" smtClean="0"/>
-              <a:t>함께 </a:t>
-            </a:r>
-            <a:r>
-              <a:rPr lang="ko-KR" altLang="en-US" sz="1400" dirty="0" smtClean="0"/>
-              <a:t>삭제 버튼이 있는 팝업 창 생성</a:t>
+              <a:t>   함께 삭제 버튼이 있는 팝업 창 생성</a:t>
             </a:r>
             <a:endParaRPr lang="en-US" altLang="ko-KR" sz="1400" dirty="0" smtClean="0"/>
           </a:p>
@@ -8565,11 +8346,7 @@
             </a:r>
             <a:r>
               <a:rPr lang="ko-KR" altLang="en-US" sz="1400" dirty="0" smtClean="0"/>
-              <a:t> </a:t>
-            </a:r>
-            <a:r>
-              <a:rPr lang="ko-KR" altLang="en-US" sz="1400" dirty="0" smtClean="0"/>
-              <a:t>추가할 수 있는 페이지로 이동  </a:t>
+              <a:t> 추가할 수 있는 페이지로 이동  </a:t>
             </a:r>
             <a:endParaRPr lang="en-US" altLang="ko-KR" sz="1400" dirty="0" smtClean="0"/>
           </a:p>
@@ -9008,11 +8785,7 @@
             </a:r>
             <a:r>
               <a:rPr lang="ko-KR" altLang="en-US" sz="1600" dirty="0" smtClean="0"/>
-              <a:t>검색 </a:t>
-            </a:r>
-            <a:r>
-              <a:rPr lang="ko-KR" altLang="en-US" sz="1600" dirty="0" smtClean="0"/>
-              <a:t>기능</a:t>
+              <a:t>검색 기능</a:t>
             </a:r>
             <a:endParaRPr lang="en-US" altLang="ko-KR" sz="1600" dirty="0" smtClean="0"/>
           </a:p>
@@ -9023,11 +8796,7 @@
             </a:r>
             <a:r>
               <a:rPr lang="ko-KR" altLang="en-US" sz="1400" dirty="0" smtClean="0"/>
-              <a:t>사용자가 </a:t>
-            </a:r>
-            <a:r>
-              <a:rPr lang="ko-KR" altLang="en-US" sz="1400" dirty="0" smtClean="0"/>
-              <a:t>검색하고자 하는 상품명을 작성</a:t>
+              <a:t>사용자가 검색하고자 하는 상품명을 작성</a:t>
             </a:r>
             <a:endParaRPr lang="en-US" altLang="ko-KR" sz="1400" dirty="0" smtClean="0"/>
           </a:p>
@@ -9042,11 +8811,7 @@
             </a:r>
             <a:r>
               <a:rPr lang="ko-KR" altLang="en-US" sz="1400" dirty="0" smtClean="0"/>
-              <a:t>하고 </a:t>
-            </a:r>
-            <a:r>
-              <a:rPr lang="ko-KR" altLang="en-US" sz="1400" dirty="0" smtClean="0"/>
-              <a:t>검색 버튼 클릭 시 해당 상품만 출력</a:t>
+              <a:t>하고 검색 버튼 클릭 시 해당 상품만 출력</a:t>
             </a:r>
             <a:endParaRPr lang="en-US" altLang="ko-KR" sz="1400" dirty="0" smtClean="0"/>
           </a:p>
@@ -9057,11 +8822,7 @@
             </a:r>
             <a:r>
               <a:rPr lang="ko-KR" altLang="en-US" sz="1400" dirty="0" smtClean="0"/>
-              <a:t>개월 </a:t>
-            </a:r>
-            <a:r>
-              <a:rPr lang="ko-KR" altLang="en-US" sz="1400" dirty="0" smtClean="0"/>
-              <a:t>클릭 시 당일부터 해당 개월까지의 </a:t>
+              <a:t>개월 클릭 시 당일부터 해당 개월까지의 </a:t>
             </a:r>
             <a:endParaRPr lang="en-US" altLang="ko-KR" sz="1400" dirty="0" smtClean="0"/>
           </a:p>
@@ -9080,11 +8841,7 @@
             </a:r>
             <a:r>
               <a:rPr lang="ko-KR" altLang="en-US" sz="1400" dirty="0" smtClean="0"/>
-              <a:t> </a:t>
-            </a:r>
-            <a:r>
-              <a:rPr lang="ko-KR" altLang="en-US" sz="1400" dirty="0" smtClean="0"/>
-              <a:t>출력</a:t>
+              <a:t> 출력</a:t>
             </a:r>
             <a:endParaRPr lang="en-US" altLang="ko-KR" sz="1400" dirty="0" smtClean="0"/>
           </a:p>
@@ -9095,11 +8852,7 @@
             </a:r>
             <a:r>
               <a:rPr lang="ko-KR" altLang="en-US" sz="1400" dirty="0" smtClean="0"/>
-              <a:t>달력 </a:t>
-            </a:r>
-            <a:r>
-              <a:rPr lang="ko-KR" altLang="en-US" sz="1400" dirty="0" smtClean="0"/>
-              <a:t>아이콘 클릭 시 기간을 설정할 수 </a:t>
+              <a:t>달력 아이콘 클릭 시 기간을 설정할 수 </a:t>
             </a:r>
             <a:endParaRPr lang="en-US" altLang="ko-KR" sz="1400" dirty="0" smtClean="0"/>
           </a:p>
@@ -9110,11 +8863,7 @@
             </a:r>
             <a:r>
               <a:rPr lang="ko-KR" altLang="en-US" sz="1400" dirty="0" smtClean="0"/>
-              <a:t>있는 </a:t>
-            </a:r>
-            <a:r>
-              <a:rPr lang="ko-KR" altLang="en-US" sz="1400" dirty="0" smtClean="0"/>
-              <a:t>팝업 창 생성</a:t>
+              <a:t>있는 팝업 창 생성</a:t>
             </a:r>
             <a:endParaRPr lang="en-US" altLang="ko-KR" sz="1400" dirty="0" smtClean="0"/>
           </a:p>
@@ -9194,11 +8943,7 @@
             </a:r>
             <a:r>
               <a:rPr lang="ko-KR" altLang="en-US" sz="1400" dirty="0" smtClean="0"/>
-              <a:t>해당 </a:t>
-            </a:r>
-            <a:r>
-              <a:rPr lang="ko-KR" altLang="en-US" sz="1400" dirty="0" smtClean="0"/>
-              <a:t>상품을 교환</a:t>
+              <a:t>해당 상품을 교환</a:t>
             </a:r>
             <a:r>
               <a:rPr lang="en-US" altLang="ko-KR" sz="1400" dirty="0" smtClean="0"/>
@@ -9217,11 +8962,7 @@
             </a:r>
             <a:r>
               <a:rPr lang="ko-KR" altLang="en-US" sz="1400" dirty="0" smtClean="0"/>
-              <a:t>페이지로 </a:t>
-            </a:r>
-            <a:r>
-              <a:rPr lang="ko-KR" altLang="en-US" sz="1400" dirty="0" smtClean="0"/>
-              <a:t>이동</a:t>
+              <a:t>페이지로 이동</a:t>
             </a:r>
             <a:endParaRPr lang="en-US" altLang="ko-KR" sz="1400" dirty="0" smtClean="0"/>
           </a:p>
@@ -9246,11 +8987,7 @@
             </a:r>
             <a:r>
               <a:rPr lang="ko-KR" altLang="en-US" sz="1400" dirty="0" smtClean="0"/>
-              <a:t>해당 </a:t>
-            </a:r>
-            <a:r>
-              <a:rPr lang="ko-KR" altLang="en-US" sz="1400" dirty="0" smtClean="0"/>
-              <a:t>상품 리뷰를 작성할 수 있는 </a:t>
+              <a:t>해당 상품 리뷰를 작성할 수 있는 </a:t>
             </a:r>
             <a:endParaRPr lang="en-US" altLang="ko-KR" sz="1400" dirty="0" smtClean="0"/>
           </a:p>
@@ -9265,11 +9002,7 @@
             </a:r>
             <a:r>
               <a:rPr lang="ko-KR" altLang="en-US" sz="1400" dirty="0" smtClean="0"/>
-              <a:t>페이지로 </a:t>
-            </a:r>
-            <a:r>
-              <a:rPr lang="ko-KR" altLang="en-US" sz="1400" dirty="0" smtClean="0"/>
-              <a:t>이동</a:t>
+              <a:t>페이지로 이동</a:t>
             </a:r>
             <a:endParaRPr lang="en-US" altLang="ko-KR" sz="1400" dirty="0" smtClean="0"/>
           </a:p>
@@ -9646,11 +9379,7 @@
             </a:r>
             <a:r>
               <a:rPr lang="ko-KR" altLang="en-US" sz="1400" dirty="0" smtClean="0"/>
-              <a:t> </a:t>
-            </a:r>
-            <a:r>
-              <a:rPr lang="ko-KR" altLang="en-US" sz="1400" dirty="0" smtClean="0"/>
-              <a:t>클릭 시 해당 회원 정보를 </a:t>
+              <a:t> 클릭 시 해당 회원 정보를 </a:t>
             </a:r>
             <a:endParaRPr lang="en-US" altLang="ko-KR" sz="1400" dirty="0"/>
           </a:p>
@@ -9665,11 +9394,7 @@
             </a:r>
             <a:r>
               <a:rPr lang="ko-KR" altLang="en-US" sz="1400" dirty="0" smtClean="0"/>
-              <a:t>수정 </a:t>
-            </a:r>
-            <a:r>
-              <a:rPr lang="ko-KR" altLang="en-US" sz="1400" dirty="0" smtClean="0"/>
-              <a:t>가능</a:t>
+              <a:t>수정 가능</a:t>
             </a:r>
             <a:endParaRPr lang="en-US" altLang="ko-KR" sz="1400" dirty="0" smtClean="0"/>
           </a:p>
@@ -9687,11 +9412,7 @@
             </a:r>
             <a:r>
               <a:rPr lang="ko-KR" altLang="en-US" sz="1600" dirty="0" smtClean="0"/>
-              <a:t> </a:t>
-            </a:r>
-            <a:r>
-              <a:rPr lang="ko-KR" altLang="en-US" sz="1600" dirty="0" smtClean="0"/>
-              <a:t>수정</a:t>
+              <a:t> 수정</a:t>
             </a:r>
             <a:endParaRPr lang="en-US" altLang="ko-KR" sz="1600" dirty="0" smtClean="0"/>
           </a:p>
@@ -9733,11 +9454,7 @@
             </a:r>
             <a:r>
               <a:rPr lang="ko-KR" altLang="en-US" sz="1400" dirty="0" smtClean="0"/>
-              <a:t> </a:t>
-            </a:r>
-            <a:r>
-              <a:rPr lang="ko-KR" altLang="en-US" sz="1400" dirty="0" smtClean="0"/>
-              <a:t>변경 페이지로 이동</a:t>
+              <a:t> 변경 페이지로 이동</a:t>
             </a:r>
             <a:endParaRPr lang="en-US" altLang="ko-KR" sz="1400" dirty="0" smtClean="0"/>
           </a:p>
@@ -9751,11 +9468,7 @@
             </a:r>
             <a:r>
               <a:rPr lang="ko-KR" altLang="en-US" sz="1600" dirty="0" smtClean="0"/>
-              <a:t>비밀번호 </a:t>
-            </a:r>
-            <a:r>
-              <a:rPr lang="ko-KR" altLang="en-US" sz="1600" dirty="0" smtClean="0"/>
-              <a:t>수정</a:t>
+              <a:t>비밀번호 수정</a:t>
             </a:r>
             <a:endParaRPr lang="en-US" altLang="ko-KR" sz="1600" dirty="0" smtClean="0"/>
           </a:p>
@@ -9789,11 +9502,7 @@
             </a:r>
             <a:r>
               <a:rPr lang="ko-KR" altLang="en-US" sz="1400" dirty="0" smtClean="0"/>
-              <a:t>비밀번호 </a:t>
-            </a:r>
-            <a:r>
-              <a:rPr lang="ko-KR" altLang="en-US" sz="1400" dirty="0" smtClean="0"/>
-              <a:t>재설정 페이지로 이동</a:t>
+              <a:t>비밀번호 재설정 페이지로 이동</a:t>
             </a:r>
             <a:endParaRPr lang="en-US" altLang="ko-KR" sz="1400" dirty="0" smtClean="0"/>
           </a:p>
@@ -9807,11 +9516,7 @@
             </a:r>
             <a:r>
               <a:rPr lang="ko-KR" altLang="en-US" sz="1600" dirty="0" smtClean="0"/>
-              <a:t>이용약관 </a:t>
-            </a:r>
-            <a:r>
-              <a:rPr lang="ko-KR" altLang="en-US" sz="1600" dirty="0" smtClean="0"/>
-              <a:t>및 광고 동의</a:t>
+              <a:t>이용약관 및 광고 동의</a:t>
             </a:r>
             <a:endParaRPr lang="en-US" altLang="ko-KR" sz="1600" dirty="0" smtClean="0"/>
           </a:p>
@@ -9822,11 +9527,7 @@
             </a:r>
             <a:r>
               <a:rPr lang="ko-KR" altLang="en-US" sz="1400" dirty="0" smtClean="0"/>
-              <a:t>자세히 </a:t>
-            </a:r>
-            <a:r>
-              <a:rPr lang="ko-KR" altLang="en-US" sz="1400" dirty="0" smtClean="0"/>
-              <a:t>보기</a:t>
+              <a:t>자세히 보기</a:t>
             </a:r>
             <a:r>
               <a:rPr lang="en-US" altLang="ko-KR" sz="1400" dirty="0" smtClean="0"/>
@@ -9849,11 +9550,7 @@
             </a:r>
             <a:r>
               <a:rPr lang="ko-KR" altLang="en-US" sz="1400" dirty="0" smtClean="0"/>
-              <a:t>페이지로 </a:t>
-            </a:r>
-            <a:r>
-              <a:rPr lang="ko-KR" altLang="en-US" sz="1400" dirty="0" smtClean="0"/>
-              <a:t>이동</a:t>
+              <a:t>페이지로 이동</a:t>
             </a:r>
             <a:endParaRPr lang="en-US" altLang="ko-KR" sz="1400" dirty="0" smtClean="0"/>
           </a:p>
@@ -9878,11 +9575,7 @@
             </a:r>
             <a:r>
               <a:rPr lang="ko-KR" altLang="en-US" sz="1400" dirty="0" smtClean="0"/>
-              <a:t>회원탈퇴 </a:t>
-            </a:r>
-            <a:r>
-              <a:rPr lang="ko-KR" altLang="en-US" sz="1400" dirty="0" smtClean="0"/>
-              <a:t>페이지로 이동</a:t>
+              <a:t>회원탈퇴 페이지로 이동</a:t>
             </a:r>
             <a:endParaRPr lang="en-US" altLang="ko-KR" sz="1400" dirty="0" smtClean="0"/>
           </a:p>
@@ -10287,11 +9980,7 @@
             </a:r>
             <a:r>
               <a:rPr lang="ko-KR" altLang="en-US" sz="1400" dirty="0" smtClean="0"/>
-              <a:t>제목을 키워드로 검색하여 </a:t>
-            </a:r>
-            <a:r>
-              <a:rPr lang="ko-KR" altLang="en-US" sz="1400" dirty="0" smtClean="0"/>
-              <a:t>조회</a:t>
+              <a:t>제목을 키워드로 검색하여 조회</a:t>
             </a:r>
             <a:endParaRPr lang="en-US" altLang="ko-KR" sz="1400" dirty="0" smtClean="0"/>
           </a:p>
@@ -10336,11 +10025,7 @@
             </a:r>
             <a:r>
               <a:rPr lang="ko-KR" altLang="en-US" sz="1400" dirty="0" smtClean="0"/>
-              <a:t> </a:t>
-            </a:r>
-            <a:r>
-              <a:rPr lang="ko-KR" altLang="en-US" sz="1400" dirty="0" smtClean="0"/>
-              <a:t>정렬</a:t>
+              <a:t> 정렬</a:t>
             </a:r>
             <a:endParaRPr lang="en-US" altLang="ko-KR" sz="1400" dirty="0" smtClean="0"/>
           </a:p>
@@ -10380,11 +10065,7 @@
             </a:r>
             <a:r>
               <a:rPr lang="ko-KR" altLang="en-US" sz="1400" dirty="0" smtClean="0"/>
-              <a:t> 쓰기로 </a:t>
-            </a:r>
-            <a:r>
-              <a:rPr lang="ko-KR" altLang="en-US" sz="1400" dirty="0" smtClean="0"/>
-              <a:t>이동</a:t>
+              <a:t> 쓰기로 이동</a:t>
             </a:r>
             <a:endParaRPr lang="en-US" altLang="ko-KR" sz="1400" dirty="0" smtClean="0"/>
           </a:p>
@@ -10394,11 +10075,7 @@
           <a:p>
             <a:r>
               <a:rPr lang="en-US" altLang="ko-KR" sz="1600" dirty="0" smtClean="0"/>
-              <a:t>4</a:t>
-            </a:r>
-            <a:r>
-              <a:rPr lang="en-US" altLang="ko-KR" sz="1600" dirty="0" smtClean="0"/>
-              <a:t>. </a:t>
+              <a:t>4. </a:t>
             </a:r>
             <a:r>
               <a:rPr lang="ko-KR" altLang="en-US" sz="1600" dirty="0" smtClean="0"/>
@@ -10413,11 +10090,7 @@
             </a:r>
             <a:r>
               <a:rPr lang="ko-KR" altLang="en-US" sz="1400" dirty="0" smtClean="0"/>
-              <a:t>클릭 시 해당 공지사항상세로 </a:t>
-            </a:r>
-            <a:r>
-              <a:rPr lang="ko-KR" altLang="en-US" sz="1400" dirty="0" smtClean="0"/>
-              <a:t>이동</a:t>
+              <a:t>클릭 시 해당 공지사항상세로 이동</a:t>
             </a:r>
             <a:endParaRPr lang="en-US" altLang="ko-KR" sz="1400" dirty="0" smtClean="0"/>
           </a:p>
@@ -10936,11 +10609,7 @@
             </a:r>
             <a:r>
               <a:rPr lang="ko-KR" altLang="en-US" sz="1400" dirty="0" smtClean="0"/>
-              <a:t> 수정으로 </a:t>
-            </a:r>
-            <a:r>
-              <a:rPr lang="ko-KR" altLang="en-US" sz="1400" dirty="0" smtClean="0"/>
-              <a:t>이동</a:t>
+              <a:t> 수정으로 이동</a:t>
             </a:r>
             <a:endParaRPr lang="en-US" altLang="ko-KR" sz="1400" dirty="0" smtClean="0"/>
           </a:p>
@@ -11372,11 +11041,7 @@
             </a:r>
             <a:r>
               <a:rPr lang="ko-KR" altLang="en-US" sz="1400" dirty="0" smtClean="0"/>
-              <a:t>상세로 </a:t>
-            </a:r>
-            <a:r>
-              <a:rPr lang="ko-KR" altLang="en-US" sz="1400" dirty="0" smtClean="0"/>
-              <a:t>이동</a:t>
+              <a:t>상세로 이동</a:t>
             </a:r>
             <a:endParaRPr lang="en-US" altLang="ko-KR" sz="1400" dirty="0" smtClean="0"/>
           </a:p>
@@ -12221,11 +11886,7 @@
             </a:r>
             <a:r>
               <a:rPr lang="ko-KR" altLang="en-US" sz="1400" dirty="0" smtClean="0"/>
-              <a:t>제목을 키워드로 검색하여 </a:t>
-            </a:r>
-            <a:r>
-              <a:rPr lang="ko-KR" altLang="en-US" sz="1400" dirty="0" smtClean="0"/>
-              <a:t>조회</a:t>
+              <a:t>제목을 키워드로 검색하여 조회</a:t>
             </a:r>
             <a:endParaRPr lang="en-US" altLang="ko-KR" sz="1400" dirty="0" smtClean="0"/>
           </a:p>
@@ -12261,11 +11922,7 @@
             </a:r>
             <a:r>
               <a:rPr lang="ko-KR" altLang="en-US" sz="1400" dirty="0" smtClean="0"/>
-              <a:t>글쓰기 페이지로 </a:t>
-            </a:r>
-            <a:r>
-              <a:rPr lang="ko-KR" altLang="en-US" sz="1400" dirty="0" smtClean="0"/>
-              <a:t>이동</a:t>
+              <a:t>글쓰기 페이지로 이동</a:t>
             </a:r>
             <a:endParaRPr lang="en-US" altLang="ko-KR" sz="1400" dirty="0" smtClean="0"/>
           </a:p>
@@ -12298,11 +11955,7 @@
             </a:r>
             <a:r>
               <a:rPr lang="ko-KR" altLang="en-US" sz="1400" dirty="0" smtClean="0"/>
-              <a:t>상세로 </a:t>
-            </a:r>
-            <a:r>
-              <a:rPr lang="ko-KR" altLang="en-US" sz="1400" dirty="0" smtClean="0"/>
-              <a:t>이동</a:t>
+              <a:t>상세로 이동</a:t>
             </a:r>
             <a:endParaRPr lang="en-US" altLang="ko-KR" sz="1400" dirty="0" smtClean="0"/>
           </a:p>
@@ -13242,11 +12895,7 @@
             </a:r>
             <a:r>
               <a:rPr lang="ko-KR" altLang="en-US" sz="1400" dirty="0" smtClean="0"/>
-              <a:t> 글들을 </a:t>
-            </a:r>
-            <a:r>
-              <a:rPr lang="ko-KR" altLang="en-US" sz="1400" dirty="0" smtClean="0"/>
-              <a:t>정렬</a:t>
+              <a:t> 글들을 정렬</a:t>
             </a:r>
             <a:endParaRPr lang="en-US" altLang="ko-KR" sz="1400" dirty="0" smtClean="0"/>
           </a:p>
@@ -13302,11 +12951,7 @@
             </a:r>
             <a:r>
               <a:rPr lang="ko-KR" altLang="en-US" sz="1400" dirty="0" smtClean="0"/>
-              <a:t>관리자와 비회원은 </a:t>
-            </a:r>
-            <a:r>
-              <a:rPr lang="ko-KR" altLang="en-US" sz="1400" dirty="0" smtClean="0"/>
-              <a:t>비활성화</a:t>
+              <a:t>관리자와 비회원은 비활성화</a:t>
             </a:r>
             <a:endParaRPr lang="en-US" altLang="ko-KR" sz="1400" dirty="0" smtClean="0"/>
           </a:p>
@@ -14331,11 +13976,7 @@
             </a:r>
             <a:r>
               <a:rPr lang="ko-KR" altLang="en-US" sz="1400" dirty="0" smtClean="0"/>
-              <a:t> </a:t>
-            </a:r>
-            <a:r>
-              <a:rPr lang="ko-KR" altLang="en-US" sz="1400" dirty="0" smtClean="0"/>
-              <a:t>이동</a:t>
+              <a:t> 이동</a:t>
             </a:r>
             <a:endParaRPr lang="en-US" altLang="ko-KR" sz="1400" dirty="0" smtClean="0"/>
           </a:p>
@@ -14395,11 +14036,7 @@
             </a:r>
             <a:r>
               <a:rPr lang="ko-KR" altLang="en-US" sz="1400" dirty="0" smtClean="0"/>
-              <a:t>로그인 </a:t>
-            </a:r>
-            <a:r>
-              <a:rPr lang="ko-KR" altLang="en-US" sz="1400" dirty="0" smtClean="0"/>
-              <a:t>상태일 시 로그아웃으로 </a:t>
+              <a:t>로그인 상태일 시 로그아웃으로 </a:t>
             </a:r>
             <a:r>
               <a:rPr lang="ko-KR" altLang="en-US" sz="1400" dirty="0" err="1" smtClean="0"/>
@@ -14428,15 +14065,7 @@
             </a:r>
             <a:r>
               <a:rPr lang="ko-KR" altLang="en-US" sz="1400" dirty="0" smtClean="0"/>
-              <a:t>각 </a:t>
-            </a:r>
-            <a:r>
-              <a:rPr lang="ko-KR" altLang="en-US" sz="1400" dirty="0" smtClean="0"/>
-              <a:t>카테고리 별 리스트로 </a:t>
-            </a:r>
-            <a:r>
-              <a:rPr lang="ko-KR" altLang="en-US" sz="1400" dirty="0" smtClean="0"/>
-              <a:t>이동</a:t>
+              <a:t>각 카테고리 별 리스트로 이동</a:t>
             </a:r>
             <a:endParaRPr lang="en-US" altLang="ko-KR" sz="1400" dirty="0" smtClean="0"/>
           </a:p>
@@ -14493,11 +14122,7 @@
             </a:r>
             <a:r>
               <a:rPr lang="ko-KR" altLang="en-US" sz="1400" dirty="0" smtClean="0"/>
-              <a:t> </a:t>
-            </a:r>
-            <a:r>
-              <a:rPr lang="ko-KR" altLang="en-US" sz="1400" dirty="0" smtClean="0"/>
-              <a:t>노출</a:t>
+              <a:t> 노출</a:t>
             </a:r>
             <a:endParaRPr lang="en-US" altLang="ko-KR" sz="1400" dirty="0" smtClean="0"/>
           </a:p>
@@ -14530,11 +14155,7 @@
             </a:r>
             <a:r>
               <a:rPr lang="ko-KR" altLang="en-US" sz="1400" dirty="0" smtClean="0"/>
-              <a:t>최근 </a:t>
-            </a:r>
-            <a:r>
-              <a:rPr lang="ko-KR" altLang="en-US" sz="1400" dirty="0" smtClean="0"/>
-              <a:t>본 상품</a:t>
+              <a:t>최근 본 상품</a:t>
             </a:r>
             <a:r>
               <a:rPr lang="en-US" altLang="ko-KR" sz="1400" dirty="0" smtClean="0"/>
@@ -14546,11 +14167,7 @@
             </a:r>
             <a:r>
               <a:rPr lang="en-US" altLang="ko-KR" sz="1400" dirty="0" smtClean="0"/>
-              <a:t>, </a:t>
-            </a:r>
-            <a:r>
-              <a:rPr lang="en-US" altLang="ko-KR" sz="1400" dirty="0" smtClean="0"/>
-              <a:t>FAQ</a:t>
+              <a:t>, FAQ</a:t>
             </a:r>
           </a:p>
           <a:p>
@@ -15043,11 +14660,7 @@
             </a:r>
             <a:r>
               <a:rPr lang="ko-KR" altLang="en-US" sz="1600" dirty="0" smtClean="0"/>
-              <a:t>로그인한 </a:t>
-            </a:r>
-            <a:r>
-              <a:rPr lang="ko-KR" altLang="en-US" sz="1600" dirty="0" smtClean="0"/>
-              <a:t>유저 아이디 가져와서 표시</a:t>
+              <a:t>로그인한 유저 아이디 가져와서 표시</a:t>
             </a:r>
             <a:endParaRPr lang="en-US" altLang="ko-KR" sz="1600" dirty="0" smtClean="0"/>
           </a:p>
@@ -15068,11 +14681,7 @@
             </a:r>
             <a:r>
               <a:rPr lang="ko-KR" altLang="en-US" sz="1600" dirty="0" smtClean="0"/>
-              <a:t> </a:t>
-            </a:r>
-            <a:r>
-              <a:rPr lang="ko-KR" altLang="en-US" sz="1600" dirty="0" smtClean="0"/>
-              <a:t>제목 작성</a:t>
+              <a:t> 제목 작성</a:t>
             </a:r>
             <a:endParaRPr lang="en-US" altLang="ko-KR" sz="1600" dirty="0" smtClean="0"/>
           </a:p>
@@ -15093,11 +14702,7 @@
             </a:r>
             <a:r>
               <a:rPr lang="ko-KR" altLang="en-US" sz="1600" dirty="0" smtClean="0"/>
-              <a:t> </a:t>
-            </a:r>
-            <a:r>
-              <a:rPr lang="ko-KR" altLang="en-US" sz="1600" dirty="0" smtClean="0"/>
-              <a:t>카테고리 분류 기능</a:t>
+              <a:t> 카테고리 분류 기능</a:t>
             </a:r>
             <a:endParaRPr lang="en-US" altLang="ko-KR" sz="1600" dirty="0" smtClean="0"/>
           </a:p>
@@ -15114,11 +14719,7 @@
             </a:r>
             <a:r>
               <a:rPr lang="ko-KR" altLang="en-US" sz="1600" dirty="0" smtClean="0"/>
-              <a:t>내용 </a:t>
-            </a:r>
-            <a:r>
-              <a:rPr lang="ko-KR" altLang="en-US" sz="1600" dirty="0" smtClean="0"/>
-              <a:t>작성</a:t>
+              <a:t>내용 작성</a:t>
             </a:r>
             <a:endParaRPr lang="en-US" altLang="ko-KR" sz="1600" dirty="0" smtClean="0"/>
           </a:p>
@@ -15135,11 +14736,7 @@
             </a:r>
             <a:r>
               <a:rPr lang="ko-KR" altLang="en-US" sz="1600" dirty="0" smtClean="0"/>
-              <a:t>등록 </a:t>
-            </a:r>
-            <a:r>
-              <a:rPr lang="ko-KR" altLang="en-US" sz="1600" dirty="0" smtClean="0"/>
-              <a:t>버튼</a:t>
+              <a:t>등록 버튼</a:t>
             </a:r>
             <a:endParaRPr lang="en-US" altLang="ko-KR" sz="1600" dirty="0"/>
           </a:p>
@@ -15589,11 +15186,7 @@
             </a:r>
             <a:r>
               <a:rPr lang="ko-KR" altLang="en-US" sz="1600" dirty="0" smtClean="0"/>
-              <a:t>로그인한 </a:t>
-            </a:r>
-            <a:r>
-              <a:rPr lang="ko-KR" altLang="en-US" sz="1600" dirty="0" smtClean="0"/>
-              <a:t>유저 아이디 가져와서 표시</a:t>
+              <a:t>로그인한 유저 아이디 가져와서 표시</a:t>
             </a:r>
             <a:endParaRPr lang="en-US" altLang="ko-KR" sz="1600" dirty="0" smtClean="0"/>
           </a:p>
@@ -15614,11 +15207,7 @@
             </a:r>
             <a:r>
               <a:rPr lang="ko-KR" altLang="en-US" sz="1600" dirty="0" smtClean="0"/>
-              <a:t> </a:t>
-            </a:r>
-            <a:r>
-              <a:rPr lang="ko-KR" altLang="en-US" sz="1600" dirty="0" smtClean="0"/>
-              <a:t>제목 작성</a:t>
+              <a:t> 제목 작성</a:t>
             </a:r>
             <a:endParaRPr lang="en-US" altLang="ko-KR" sz="1600" dirty="0" smtClean="0"/>
           </a:p>
@@ -15639,11 +15228,7 @@
             </a:r>
             <a:r>
               <a:rPr lang="ko-KR" altLang="en-US" sz="1600" dirty="0" smtClean="0"/>
-              <a:t> </a:t>
-            </a:r>
-            <a:r>
-              <a:rPr lang="ko-KR" altLang="en-US" sz="1600" dirty="0" smtClean="0"/>
-              <a:t>카테고리 분류 기능</a:t>
+              <a:t> 카테고리 분류 기능</a:t>
             </a:r>
             <a:endParaRPr lang="en-US" altLang="ko-KR" sz="1600" dirty="0" smtClean="0"/>
           </a:p>
@@ -15660,11 +15245,7 @@
             </a:r>
             <a:r>
               <a:rPr lang="ko-KR" altLang="en-US" sz="1600" dirty="0" smtClean="0"/>
-              <a:t>내용 </a:t>
-            </a:r>
-            <a:r>
-              <a:rPr lang="ko-KR" altLang="en-US" sz="1600" dirty="0" smtClean="0"/>
-              <a:t>작성</a:t>
+              <a:t>내용 작성</a:t>
             </a:r>
             <a:endParaRPr lang="en-US" altLang="ko-KR" sz="1600" dirty="0" smtClean="0"/>
           </a:p>
@@ -16027,7 +15608,7 @@
         </p:nvSpPr>
         <p:spPr>
           <a:xfrm>
-            <a:off x="8733025" y="1631689"/>
+            <a:off x="9094975" y="1496595"/>
             <a:ext cx="1806905" cy="369332"/>
           </a:xfrm>
           <a:prstGeom prst="rect">
@@ -16067,8 +15648,8 @@
         </p:nvSpPr>
         <p:spPr>
           <a:xfrm>
-            <a:off x="8032652" y="2001021"/>
-            <a:ext cx="4159347" cy="4478149"/>
+            <a:off x="8172183" y="1782167"/>
+            <a:ext cx="4159347" cy="5032147"/>
           </a:xfrm>
           <a:prstGeom prst="rect">
             <a:avLst/>
@@ -16087,11 +15668,7 @@
             </a:r>
             <a:r>
               <a:rPr lang="ko-KR" altLang="en-US" sz="1500" dirty="0" smtClean="0"/>
-              <a:t>상품 </a:t>
-            </a:r>
-            <a:r>
-              <a:rPr lang="ko-KR" altLang="en-US" sz="1500" dirty="0" smtClean="0"/>
-              <a:t>검색</a:t>
+              <a:t>상품 검색</a:t>
             </a:r>
             <a:endParaRPr lang="en-US" altLang="ko-KR" sz="1500" dirty="0" smtClean="0"/>
           </a:p>
@@ -16106,11 +15683,7 @@
             </a:r>
             <a:r>
               <a:rPr lang="ko-KR" altLang="en-US" sz="1400" dirty="0" smtClean="0"/>
-              <a:t> </a:t>
-            </a:r>
-            <a:r>
-              <a:rPr lang="ko-KR" altLang="en-US" sz="1400" dirty="0" smtClean="0"/>
-              <a:t>주문번호</a:t>
+              <a:t> 주문번호</a:t>
             </a:r>
             <a:r>
               <a:rPr lang="en-US" altLang="ko-KR" sz="1400" dirty="0" smtClean="0"/>
@@ -16141,11 +15714,7 @@
             </a:r>
             <a:r>
               <a:rPr lang="ko-KR" altLang="en-US" sz="1400" dirty="0" smtClean="0"/>
-              <a:t> </a:t>
-            </a:r>
-            <a:r>
-              <a:rPr lang="ko-KR" altLang="en-US" sz="1400" dirty="0" smtClean="0"/>
-              <a:t>해당 물품의 정보를 리스트로 </a:t>
+              <a:t> 해당 물품의 정보를 리스트로 </a:t>
             </a:r>
             <a:endParaRPr lang="en-US" altLang="ko-KR" sz="1400" dirty="0"/>
           </a:p>
@@ -16162,7 +15731,6 @@
               <a:rPr lang="en-US" altLang="ko-KR" sz="1400" dirty="0" smtClean="0"/>
               <a:t>  </a:t>
             </a:r>
-            <a:endParaRPr lang="en-US" altLang="ko-KR" sz="1400" dirty="0" smtClean="0"/>
           </a:p>
           <a:p>
             <a:endParaRPr lang="en-US" altLang="ko-KR" sz="1500" dirty="0"/>
@@ -16174,11 +15742,7 @@
             </a:r>
             <a:r>
               <a:rPr lang="ko-KR" altLang="en-US" sz="1500" dirty="0" smtClean="0"/>
-              <a:t>상품 </a:t>
-            </a:r>
-            <a:r>
-              <a:rPr lang="ko-KR" altLang="en-US" sz="1500" dirty="0" smtClean="0"/>
-              <a:t>관리</a:t>
+              <a:t>상품 관리</a:t>
             </a:r>
             <a:endParaRPr lang="en-US" altLang="ko-KR" sz="1500" dirty="0" smtClean="0"/>
           </a:p>
@@ -16189,11 +15753,7 @@
             </a:r>
             <a:r>
               <a:rPr lang="ko-KR" altLang="en-US" sz="1400" dirty="0" smtClean="0"/>
-              <a:t>등록되어 </a:t>
-            </a:r>
-            <a:r>
-              <a:rPr lang="ko-KR" altLang="en-US" sz="1400" dirty="0" smtClean="0"/>
-              <a:t>있는 상품의 정보를 리스트로</a:t>
+              <a:t>등록되어 있는 상품의 정보를 리스트로</a:t>
             </a:r>
             <a:endParaRPr lang="en-US" altLang="ko-KR" sz="1400" dirty="0" smtClean="0"/>
           </a:p>
@@ -16208,11 +15768,7 @@
             </a:r>
             <a:r>
               <a:rPr lang="ko-KR" altLang="en-US" sz="1400" dirty="0" smtClean="0"/>
-              <a:t>출력하고 </a:t>
-            </a:r>
-            <a:r>
-              <a:rPr lang="ko-KR" altLang="en-US" sz="1400" dirty="0" smtClean="0"/>
-              <a:t>수정 가능</a:t>
+              <a:t>출력하고 수정 가능</a:t>
             </a:r>
             <a:endParaRPr lang="en-US" altLang="ko-KR" sz="1400" dirty="0" smtClean="0"/>
           </a:p>
@@ -16226,11 +15782,7 @@
             </a:r>
             <a:r>
               <a:rPr lang="ko-KR" altLang="en-US" sz="1500" dirty="0" smtClean="0"/>
-              <a:t>상품 </a:t>
-            </a:r>
-            <a:r>
-              <a:rPr lang="ko-KR" altLang="en-US" sz="1500" dirty="0" smtClean="0"/>
-              <a:t>등록</a:t>
+              <a:t>상품 등록</a:t>
             </a:r>
             <a:endParaRPr lang="en-US" altLang="ko-KR" sz="1500" dirty="0" smtClean="0"/>
           </a:p>
@@ -16241,11 +15793,7 @@
             </a:r>
             <a:r>
               <a:rPr lang="ko-KR" altLang="en-US" sz="1400" dirty="0" smtClean="0"/>
-              <a:t>상품의 </a:t>
-            </a:r>
-            <a:r>
-              <a:rPr lang="ko-KR" altLang="en-US" sz="1400" dirty="0" smtClean="0"/>
-              <a:t>정보를 작성하고 등록할 수 있는 </a:t>
+              <a:t>상품의 정보를 작성하고 등록할 수 있는 </a:t>
             </a:r>
             <a:endParaRPr lang="en-US" altLang="ko-KR" sz="1400" dirty="0" smtClean="0"/>
           </a:p>
@@ -16260,11 +15808,7 @@
             </a:r>
             <a:r>
               <a:rPr lang="ko-KR" altLang="en-US" sz="1400" dirty="0" smtClean="0"/>
-              <a:t>페이지로 </a:t>
-            </a:r>
-            <a:r>
-              <a:rPr lang="ko-KR" altLang="en-US" sz="1400" dirty="0" smtClean="0"/>
-              <a:t>이동</a:t>
+              <a:t>페이지로 이동</a:t>
             </a:r>
             <a:endParaRPr lang="en-US" altLang="ko-KR" sz="1400" dirty="0" smtClean="0"/>
           </a:p>
@@ -16278,11 +15822,7 @@
             </a:r>
             <a:r>
               <a:rPr lang="ko-KR" altLang="en-US" sz="1500" dirty="0" smtClean="0"/>
-              <a:t>게시판 </a:t>
-            </a:r>
-            <a:r>
-              <a:rPr lang="ko-KR" altLang="en-US" sz="1500" dirty="0" smtClean="0"/>
-              <a:t>작성</a:t>
+              <a:t>게시판 작성</a:t>
             </a:r>
             <a:endParaRPr lang="en-US" altLang="ko-KR" sz="1500" dirty="0" smtClean="0"/>
           </a:p>
@@ -16293,11 +15833,7 @@
             </a:r>
             <a:r>
               <a:rPr lang="ko-KR" altLang="en-US" sz="1400" dirty="0" smtClean="0"/>
-              <a:t>게시판 </a:t>
-            </a:r>
-            <a:r>
-              <a:rPr lang="ko-KR" altLang="en-US" sz="1400" dirty="0" smtClean="0"/>
-              <a:t>페이지로 이동하여 게시판을</a:t>
+              <a:t>게시판 페이지로 이동하여 게시판을</a:t>
             </a:r>
             <a:endParaRPr lang="en-US" altLang="ko-KR" sz="1400" dirty="0" smtClean="0"/>
           </a:p>
@@ -16361,7 +15897,52 @@
             </a:r>
             <a:r>
               <a:rPr lang="ko-KR" altLang="en-US" sz="1400" dirty="0" smtClean="0"/>
-              <a:t>일반 및  그룹 발송 가능</a:t>
+              <a:t>일반 및  그룹 발송 </a:t>
+            </a:r>
+            <a:r>
+              <a:rPr lang="ko-KR" altLang="en-US" sz="1400" dirty="0" smtClean="0"/>
+              <a:t>가능</a:t>
+            </a:r>
+            <a:endParaRPr lang="en-US" altLang="ko-KR" sz="1400" dirty="0" smtClean="0"/>
+          </a:p>
+          <a:p>
+            <a:endParaRPr lang="en-US" altLang="ko-KR" sz="1400" dirty="0"/>
+          </a:p>
+          <a:p>
+            <a:r>
+              <a:rPr lang="en-US" altLang="ko-KR" sz="1500" dirty="0" smtClean="0"/>
+              <a:t>6, </a:t>
+            </a:r>
+            <a:r>
+              <a:rPr lang="ko-KR" altLang="en-US" sz="1500" dirty="0" smtClean="0"/>
+              <a:t>팝업</a:t>
+            </a:r>
+            <a:r>
+              <a:rPr lang="en-US" altLang="ko-KR" sz="1500" dirty="0" smtClean="0"/>
+              <a:t>/</a:t>
+            </a:r>
+            <a:r>
+              <a:rPr lang="ko-KR" altLang="en-US" sz="1500" dirty="0" smtClean="0"/>
+              <a:t>배너 관리</a:t>
+            </a:r>
+            <a:endParaRPr lang="en-US" altLang="ko-KR" sz="1500" dirty="0" smtClean="0"/>
+          </a:p>
+          <a:p>
+            <a:r>
+              <a:rPr lang="en-US" altLang="ko-KR" sz="1400" dirty="0" smtClean="0"/>
+              <a:t>- </a:t>
+            </a:r>
+            <a:r>
+              <a:rPr lang="ko-KR" altLang="en-US" sz="1400" dirty="0" smtClean="0"/>
+              <a:t>팝업</a:t>
+            </a:r>
+            <a:r>
+              <a:rPr lang="en-US" altLang="ko-KR" sz="1400" dirty="0" smtClean="0"/>
+              <a:t>/</a:t>
+            </a:r>
+            <a:r>
+              <a:rPr lang="ko-KR" altLang="en-US" sz="1400" dirty="0" smtClean="0"/>
+              <a:t>배너의 이미지 및 링크를 수정 가능</a:t>
             </a:r>
             <a:endParaRPr lang="en-US" altLang="ko-KR" sz="1400" dirty="0"/>
           </a:p>
@@ -16369,7 +15950,7 @@
       </p:sp>
       <p:pic>
         <p:nvPicPr>
-          <p:cNvPr id="2" name="그림 1"/>
+          <p:cNvPr id="11" name="그림 10"/>
           <p:cNvPicPr>
             <a:picLocks noChangeAspect="1"/>
           </p:cNvPicPr>
@@ -16389,8 +15970,8 @@
         </p:blipFill>
         <p:spPr>
           <a:xfrm>
-            <a:off x="0" y="1490915"/>
-            <a:ext cx="7479353" cy="5318651"/>
+            <a:off x="255066" y="1532707"/>
+            <a:ext cx="7452020" cy="5299214"/>
           </a:xfrm>
           <a:prstGeom prst="rect">
             <a:avLst/>
@@ -16399,163 +15980,229 @@
       </p:pic>
       <p:sp>
         <p:nvSpPr>
-          <p:cNvPr id="4" name="직사각형 3"/>
-          <p:cNvSpPr/>
-          <p:nvPr/>
-        </p:nvSpPr>
-        <p:spPr>
-          <a:xfrm>
-            <a:off x="1621051" y="2796659"/>
-            <a:ext cx="415498" cy="369332"/>
-          </a:xfrm>
-          <a:prstGeom prst="rect">
-            <a:avLst/>
-          </a:prstGeom>
-        </p:spPr>
-        <p:txBody>
-          <a:bodyPr wrap="none">
+          <p:cNvPr id="14" name="TextBox 13"/>
+          <p:cNvSpPr txBox="1"/>
+          <p:nvPr/>
+        </p:nvSpPr>
+        <p:spPr>
+          <a:xfrm>
+            <a:off x="2729075" y="2429920"/>
+            <a:ext cx="230832" cy="276999"/>
+          </a:xfrm>
+          <a:prstGeom prst="rect">
+            <a:avLst/>
+          </a:prstGeom>
+          <a:noFill/>
+        </p:spPr>
+        <p:txBody>
+          <a:bodyPr wrap="none" lIns="0" tIns="0" rIns="0" bIns="0" rtlCol="0">
             <a:spAutoFit/>
           </a:bodyPr>
           <a:lstStyle/>
           <a:p>
             <a:r>
-              <a:rPr lang="ko-KR" altLang="en-US" dirty="0">
+              <a:rPr lang="ko-KR" altLang="en-US" dirty="0" smtClean="0">
                 <a:solidFill>
                   <a:srgbClr val="FF0000"/>
                 </a:solidFill>
               </a:rPr>
               <a:t>①</a:t>
             </a:r>
-            <a:endParaRPr lang="ko-KR" altLang="en-US" dirty="0"/>
-          </a:p>
-        </p:txBody>
-      </p:sp>
-      <p:sp>
-        <p:nvSpPr>
-          <p:cNvPr id="7" name="직사각형 6"/>
-          <p:cNvSpPr/>
-          <p:nvPr/>
-        </p:nvSpPr>
-        <p:spPr>
-          <a:xfrm>
-            <a:off x="1621051" y="3377684"/>
-            <a:ext cx="415498" cy="369332"/>
-          </a:xfrm>
-          <a:prstGeom prst="rect">
-            <a:avLst/>
-          </a:prstGeom>
-        </p:spPr>
-        <p:txBody>
-          <a:bodyPr wrap="none">
+            <a:endParaRPr lang="ko-KR" altLang="en-US" dirty="0">
+              <a:solidFill>
+                <a:srgbClr val="FF0000"/>
+              </a:solidFill>
+            </a:endParaRPr>
+          </a:p>
+        </p:txBody>
+      </p:sp>
+      <p:sp>
+        <p:nvSpPr>
+          <p:cNvPr id="15" name="TextBox 14"/>
+          <p:cNvSpPr txBox="1"/>
+          <p:nvPr/>
+        </p:nvSpPr>
+        <p:spPr>
+          <a:xfrm>
+            <a:off x="1919450" y="2906170"/>
+            <a:ext cx="230832" cy="276999"/>
+          </a:xfrm>
+          <a:prstGeom prst="rect">
+            <a:avLst/>
+          </a:prstGeom>
+          <a:noFill/>
+        </p:spPr>
+        <p:txBody>
+          <a:bodyPr wrap="none" lIns="0" tIns="0" rIns="0" bIns="0" rtlCol="0">
             <a:spAutoFit/>
           </a:bodyPr>
           <a:lstStyle/>
           <a:p>
             <a:r>
-              <a:rPr lang="ko-KR" altLang="en-US" dirty="0">
+              <a:rPr lang="ko-KR" altLang="en-US" dirty="0" smtClean="0">
                 <a:solidFill>
                   <a:srgbClr val="FF0000"/>
                 </a:solidFill>
               </a:rPr>
               <a:t>②</a:t>
             </a:r>
-          </a:p>
-        </p:txBody>
-      </p:sp>
-      <p:sp>
-        <p:nvSpPr>
-          <p:cNvPr id="8" name="직사각형 7"/>
-          <p:cNvSpPr/>
-          <p:nvPr/>
-        </p:nvSpPr>
-        <p:spPr>
-          <a:xfrm>
-            <a:off x="1621051" y="3928807"/>
-            <a:ext cx="415498" cy="369332"/>
-          </a:xfrm>
-          <a:prstGeom prst="rect">
-            <a:avLst/>
-          </a:prstGeom>
-        </p:spPr>
-        <p:txBody>
-          <a:bodyPr wrap="none">
+            <a:endParaRPr lang="ko-KR" altLang="en-US" dirty="0">
+              <a:solidFill>
+                <a:srgbClr val="FF0000"/>
+              </a:solidFill>
+            </a:endParaRPr>
+          </a:p>
+        </p:txBody>
+      </p:sp>
+      <p:sp>
+        <p:nvSpPr>
+          <p:cNvPr id="16" name="TextBox 15"/>
+          <p:cNvSpPr txBox="1"/>
+          <p:nvPr/>
+        </p:nvSpPr>
+        <p:spPr>
+          <a:xfrm>
+            <a:off x="1919450" y="3401470"/>
+            <a:ext cx="230832" cy="276999"/>
+          </a:xfrm>
+          <a:prstGeom prst="rect">
+            <a:avLst/>
+          </a:prstGeom>
+          <a:noFill/>
+        </p:spPr>
+        <p:txBody>
+          <a:bodyPr wrap="none" lIns="0" tIns="0" rIns="0" bIns="0" rtlCol="0">
             <a:spAutoFit/>
           </a:bodyPr>
           <a:lstStyle/>
           <a:p>
             <a:r>
-              <a:rPr lang="ko-KR" altLang="en-US" dirty="0">
+              <a:rPr lang="ko-KR" altLang="en-US" dirty="0" smtClean="0">
                 <a:solidFill>
                   <a:srgbClr val="FF0000"/>
                 </a:solidFill>
               </a:rPr>
               <a:t>③</a:t>
             </a:r>
-            <a:endParaRPr lang="ko-KR" altLang="en-US" dirty="0"/>
-          </a:p>
-        </p:txBody>
-      </p:sp>
-      <p:sp>
-        <p:nvSpPr>
-          <p:cNvPr id="9" name="직사각형 8"/>
-          <p:cNvSpPr/>
-          <p:nvPr/>
-        </p:nvSpPr>
-        <p:spPr>
-          <a:xfrm>
-            <a:off x="1621051" y="5350802"/>
-            <a:ext cx="415498" cy="369332"/>
-          </a:xfrm>
-          <a:prstGeom prst="rect">
-            <a:avLst/>
-          </a:prstGeom>
-        </p:spPr>
-        <p:txBody>
-          <a:bodyPr wrap="none">
+            <a:endParaRPr lang="ko-KR" altLang="en-US" dirty="0">
+              <a:solidFill>
+                <a:srgbClr val="FF0000"/>
+              </a:solidFill>
+            </a:endParaRPr>
+          </a:p>
+        </p:txBody>
+      </p:sp>
+      <p:sp>
+        <p:nvSpPr>
+          <p:cNvPr id="17" name="TextBox 16"/>
+          <p:cNvSpPr txBox="1"/>
+          <p:nvPr/>
+        </p:nvSpPr>
+        <p:spPr>
+          <a:xfrm>
+            <a:off x="1919450" y="4586977"/>
+            <a:ext cx="230832" cy="276999"/>
+          </a:xfrm>
+          <a:prstGeom prst="rect">
+            <a:avLst/>
+          </a:prstGeom>
+          <a:noFill/>
+        </p:spPr>
+        <p:txBody>
+          <a:bodyPr wrap="none" lIns="0" tIns="0" rIns="0" bIns="0" rtlCol="0">
             <a:spAutoFit/>
           </a:bodyPr>
           <a:lstStyle/>
           <a:p>
             <a:r>
-              <a:rPr lang="ko-KR" altLang="en-US" dirty="0">
+              <a:rPr lang="ko-KR" altLang="en-US" dirty="0" smtClean="0">
                 <a:solidFill>
                   <a:srgbClr val="FF0000"/>
                 </a:solidFill>
               </a:rPr>
               <a:t>④</a:t>
             </a:r>
-          </a:p>
-        </p:txBody>
-      </p:sp>
-      <p:sp>
-        <p:nvSpPr>
-          <p:cNvPr id="10" name="직사각형 9"/>
-          <p:cNvSpPr/>
-          <p:nvPr/>
-        </p:nvSpPr>
-        <p:spPr>
-          <a:xfrm>
-            <a:off x="4030876" y="5425559"/>
-            <a:ext cx="415498" cy="369332"/>
-          </a:xfrm>
-          <a:prstGeom prst="rect">
-            <a:avLst/>
-          </a:prstGeom>
-        </p:spPr>
-        <p:txBody>
-          <a:bodyPr wrap="none">
+            <a:endParaRPr lang="ko-KR" altLang="en-US" dirty="0">
+              <a:solidFill>
+                <a:srgbClr val="FF0000"/>
+              </a:solidFill>
+            </a:endParaRPr>
+          </a:p>
+        </p:txBody>
+      </p:sp>
+      <p:sp>
+        <p:nvSpPr>
+          <p:cNvPr id="18" name="TextBox 17"/>
+          <p:cNvSpPr txBox="1"/>
+          <p:nvPr/>
+        </p:nvSpPr>
+        <p:spPr>
+          <a:xfrm>
+            <a:off x="4105437" y="4586976"/>
+            <a:ext cx="230832" cy="276999"/>
+          </a:xfrm>
+          <a:prstGeom prst="rect">
+            <a:avLst/>
+          </a:prstGeom>
+          <a:noFill/>
+        </p:spPr>
+        <p:txBody>
+          <a:bodyPr wrap="none" lIns="0" tIns="0" rIns="0" bIns="0" rtlCol="0">
             <a:spAutoFit/>
           </a:bodyPr>
           <a:lstStyle/>
           <a:p>
             <a:r>
-              <a:rPr lang="ko-KR" altLang="en-US" dirty="0">
+              <a:rPr lang="ko-KR" altLang="en-US" dirty="0" smtClean="0">
                 <a:solidFill>
                   <a:srgbClr val="FF0000"/>
                 </a:solidFill>
               </a:rPr>
               <a:t>⑤</a:t>
             </a:r>
+            <a:endParaRPr lang="ko-KR" altLang="en-US" dirty="0">
+              <a:solidFill>
+                <a:srgbClr val="FF0000"/>
+              </a:solidFill>
+            </a:endParaRPr>
+          </a:p>
+        </p:txBody>
+      </p:sp>
+      <p:sp>
+        <p:nvSpPr>
+          <p:cNvPr id="19" name="TextBox 18"/>
+          <p:cNvSpPr txBox="1"/>
+          <p:nvPr/>
+        </p:nvSpPr>
+        <p:spPr>
+          <a:xfrm>
+            <a:off x="1876587" y="5709449"/>
+            <a:ext cx="230832" cy="276999"/>
+          </a:xfrm>
+          <a:prstGeom prst="rect">
+            <a:avLst/>
+          </a:prstGeom>
+          <a:noFill/>
+        </p:spPr>
+        <p:txBody>
+          <a:bodyPr wrap="none" lIns="0" tIns="0" rIns="0" bIns="0" rtlCol="0">
+            <a:spAutoFit/>
+          </a:bodyPr>
+          <a:lstStyle/>
+          <a:p>
+            <a:r>
+              <a:rPr lang="ko-KR" altLang="en-US" dirty="0" smtClean="0">
+                <a:solidFill>
+                  <a:srgbClr val="FF0000"/>
+                </a:solidFill>
+              </a:rPr>
+              <a:t>⑥</a:t>
+            </a:r>
+            <a:endParaRPr lang="ko-KR" altLang="en-US" dirty="0">
+              <a:solidFill>
+                <a:srgbClr val="FF0000"/>
+              </a:solidFill>
+            </a:endParaRPr>
           </a:p>
         </p:txBody>
       </p:sp>
@@ -16761,11 +16408,7 @@
             </a:r>
             <a:r>
               <a:rPr lang="ko-KR" altLang="en-US" sz="1600" dirty="0" smtClean="0"/>
-              <a:t>전송할 </a:t>
-            </a:r>
-            <a:r>
-              <a:rPr lang="ko-KR" altLang="en-US" sz="1600" dirty="0" smtClean="0"/>
-              <a:t>대상 선택</a:t>
+              <a:t>전송할 대상 선택</a:t>
             </a:r>
             <a:endParaRPr lang="en-US" altLang="ko-KR" sz="1600" dirty="0" smtClean="0"/>
           </a:p>
@@ -16776,11 +16419,7 @@
             </a:r>
             <a:r>
               <a:rPr lang="ko-KR" altLang="en-US" sz="1400" dirty="0" smtClean="0"/>
-              <a:t>연락처 </a:t>
-            </a:r>
-            <a:r>
-              <a:rPr lang="ko-KR" altLang="en-US" sz="1400" dirty="0" smtClean="0"/>
-              <a:t>입력 또는 모두에게 전송</a:t>
+              <a:t>연락처 입력 또는 모두에게 전송</a:t>
             </a:r>
             <a:endParaRPr lang="en-US" altLang="ko-KR" sz="1400" dirty="0" smtClean="0"/>
           </a:p>
@@ -16798,11 +16437,7 @@
             </a:r>
             <a:r>
               <a:rPr lang="ko-KR" altLang="en-US" sz="1600" dirty="0" smtClean="0"/>
-              <a:t>제목과 </a:t>
-            </a:r>
-            <a:r>
-              <a:rPr lang="ko-KR" altLang="en-US" sz="1600" dirty="0" smtClean="0"/>
-              <a:t>내용 입력</a:t>
+              <a:t>제목과 내용 입력</a:t>
             </a:r>
             <a:endParaRPr lang="en-US" altLang="ko-KR" sz="1600" dirty="0" smtClean="0"/>
           </a:p>
@@ -16819,11 +16454,7 @@
             </a:r>
             <a:r>
               <a:rPr lang="ko-KR" altLang="en-US" sz="1600" dirty="0" smtClean="0"/>
-              <a:t>이미지 </a:t>
-            </a:r>
-            <a:r>
-              <a:rPr lang="ko-KR" altLang="en-US" sz="1600" dirty="0" smtClean="0"/>
-              <a:t>첨부 기능</a:t>
+              <a:t>이미지 첨부 기능</a:t>
             </a:r>
             <a:endParaRPr lang="en-US" altLang="ko-KR" sz="1600" dirty="0" smtClean="0"/>
           </a:p>
@@ -16840,11 +16471,7 @@
             </a:r>
             <a:r>
               <a:rPr lang="ko-KR" altLang="en-US" sz="1600" dirty="0" smtClean="0"/>
-              <a:t>전송하기 </a:t>
-            </a:r>
-            <a:r>
-              <a:rPr lang="ko-KR" altLang="en-US" sz="1600" dirty="0" smtClean="0"/>
-              <a:t>버튼</a:t>
+              <a:t>전송하기 버튼</a:t>
             </a:r>
             <a:endParaRPr lang="en-US" altLang="ko-KR" sz="1600" dirty="0"/>
           </a:p>
@@ -17030,6 +16657,658 @@
     <p:extLst>
       <p:ext uri="{BB962C8B-B14F-4D97-AF65-F5344CB8AC3E}">
         <p14:creationId xmlns:p14="http://schemas.microsoft.com/office/powerpoint/2010/main" val="143879562"/>
+      </p:ext>
+    </p:extLst>
+  </p:cSld>
+  <p:clrMapOvr>
+    <a:masterClrMapping/>
+  </p:clrMapOvr>
+</p:sld>
+</file>
+
+<file path=ppt/slides/slide34.xml><?xml version="1.0" encoding="utf-8"?>
+<p:sld xmlns:a="http://schemas.openxmlformats.org/drawingml/2006/main" xmlns:r="http://schemas.openxmlformats.org/officeDocument/2006/relationships" xmlns:p="http://schemas.openxmlformats.org/presentationml/2006/main">
+  <p:cSld>
+    <p:spTree>
+      <p:nvGrpSpPr>
+        <p:cNvPr id="1" name="">
+          <a:extLst>
+            <a:ext uri="{FF2B5EF4-FFF2-40B4-BE49-F238E27FC236}">
+              <a16:creationId xmlns:a16="http://schemas.microsoft.com/office/drawing/2014/main" id="{0F28E066-5184-F54B-2C26-158087C6472D}"/>
+            </a:ext>
+          </a:extLst>
+        </p:cNvPr>
+        <p:cNvGrpSpPr/>
+        <p:nvPr/>
+      </p:nvGrpSpPr>
+      <p:grpSpPr>
+        <a:xfrm>
+          <a:off x="0" y="0"/>
+          <a:ext cx="0" cy="0"/>
+          <a:chOff x="0" y="0"/>
+          <a:chExt cx="0" cy="0"/>
+        </a:xfrm>
+      </p:grpSpPr>
+      <p:pic>
+        <p:nvPicPr>
+          <p:cNvPr id="5" name="그림 4">
+            <a:extLst>
+              <a:ext uri="{FF2B5EF4-FFF2-40B4-BE49-F238E27FC236}">
+                <a16:creationId xmlns:a16="http://schemas.microsoft.com/office/drawing/2014/main" id="{0CD57F03-5473-2530-8E50-61E491DC18D3}"/>
+              </a:ext>
+            </a:extLst>
+          </p:cNvPr>
+          <p:cNvPicPr>
+            <a:picLocks noChangeAspect="1"/>
+          </p:cNvPicPr>
+          <p:nvPr/>
+        </p:nvPicPr>
+        <p:blipFill>
+          <a:blip r:embed="rId2">
+            <a:extLst>
+              <a:ext uri="{28A0092B-C50C-407E-A947-70E740481C1C}">
+                <a14:useLocalDpi xmlns:a14="http://schemas.microsoft.com/office/drawing/2010/main" val="0"/>
+              </a:ext>
+            </a:extLst>
+          </a:blip>
+          <a:stretch>
+            <a:fillRect/>
+          </a:stretch>
+        </p:blipFill>
+        <p:spPr>
+          <a:xfrm>
+            <a:off x="0" y="0"/>
+            <a:ext cx="12192000" cy="1454150"/>
+          </a:xfrm>
+          <a:prstGeom prst="rect">
+            <a:avLst/>
+          </a:prstGeom>
+        </p:spPr>
+      </p:pic>
+      <p:sp>
+        <p:nvSpPr>
+          <p:cNvPr id="3" name="양쪽 모서리가 둥근 사각형 2">
+            <a:extLst>
+              <a:ext uri="{FF2B5EF4-FFF2-40B4-BE49-F238E27FC236}">
+                <a16:creationId xmlns:a16="http://schemas.microsoft.com/office/drawing/2014/main" id="{D3F34B4A-8490-C89E-DE6C-50DE58B46149}"/>
+              </a:ext>
+            </a:extLst>
+          </p:cNvPr>
+          <p:cNvSpPr/>
+          <p:nvPr/>
+        </p:nvSpPr>
+        <p:spPr>
+          <a:xfrm rot="16200000">
+            <a:off x="7416232" y="2070567"/>
+            <a:ext cx="5392189" cy="4159348"/>
+          </a:xfrm>
+          <a:prstGeom prst="round2SameRect">
+            <a:avLst/>
+          </a:prstGeom>
+          <a:solidFill>
+            <a:schemeClr val="bg1">
+              <a:lumMod val="95000"/>
+            </a:schemeClr>
+          </a:solidFill>
+          <a:ln>
+            <a:solidFill>
+              <a:schemeClr val="tx1"/>
+            </a:solidFill>
+          </a:ln>
+        </p:spPr>
+        <p:style>
+          <a:lnRef idx="2">
+            <a:schemeClr val="accent1">
+              <a:shade val="50000"/>
+            </a:schemeClr>
+          </a:lnRef>
+          <a:fillRef idx="1">
+            <a:schemeClr val="accent1"/>
+          </a:fillRef>
+          <a:effectRef idx="0">
+            <a:schemeClr val="accent1"/>
+          </a:effectRef>
+          <a:fontRef idx="minor">
+            <a:schemeClr val="lt1"/>
+          </a:fontRef>
+        </p:style>
+        <p:txBody>
+          <a:bodyPr rtlCol="0" anchor="ctr"/>
+          <a:lstStyle/>
+          <a:p>
+            <a:pPr algn="ctr"/>
+            <a:endParaRPr lang="ko-KR" altLang="en-US" dirty="0"/>
+          </a:p>
+        </p:txBody>
+      </p:sp>
+      <p:sp>
+        <p:nvSpPr>
+          <p:cNvPr id="6" name="TextBox 5">
+            <a:extLst>
+              <a:ext uri="{FF2B5EF4-FFF2-40B4-BE49-F238E27FC236}">
+                <a16:creationId xmlns:a16="http://schemas.microsoft.com/office/drawing/2014/main" id="{05C4CD61-D24C-E1F3-7080-E9D805BA6621}"/>
+              </a:ext>
+            </a:extLst>
+          </p:cNvPr>
+          <p:cNvSpPr txBox="1"/>
+          <p:nvPr/>
+        </p:nvSpPr>
+        <p:spPr>
+          <a:xfrm>
+            <a:off x="8733025" y="1631689"/>
+            <a:ext cx="2903359" cy="369332"/>
+          </a:xfrm>
+          <a:prstGeom prst="rect">
+            <a:avLst/>
+          </a:prstGeom>
+          <a:noFill/>
+        </p:spPr>
+        <p:txBody>
+          <a:bodyPr wrap="none" rtlCol="0">
+            <a:spAutoFit/>
+          </a:bodyPr>
+          <a:lstStyle/>
+          <a:p>
+            <a:r>
+              <a:rPr lang="en-US" altLang="ko-KR" dirty="0" smtClean="0"/>
+              <a:t>31. </a:t>
+            </a:r>
+            <a:r>
+              <a:rPr lang="ko-KR" altLang="en-US" dirty="0" smtClean="0"/>
+              <a:t>팝업</a:t>
+            </a:r>
+            <a:r>
+              <a:rPr lang="en-US" altLang="ko-KR" dirty="0" smtClean="0"/>
+              <a:t>/</a:t>
+            </a:r>
+            <a:r>
+              <a:rPr lang="ko-KR" altLang="en-US" dirty="0" smtClean="0"/>
+              <a:t>배너 관리 </a:t>
+            </a:r>
+            <a:r>
+              <a:rPr lang="ko-KR" altLang="en-US" dirty="0" smtClean="0"/>
+              <a:t>페이지</a:t>
+            </a:r>
+            <a:endParaRPr lang="en-US" altLang="ko-KR" dirty="0"/>
+          </a:p>
+        </p:txBody>
+      </p:sp>
+      <p:sp>
+        <p:nvSpPr>
+          <p:cNvPr id="13" name="TextBox 12">
+            <a:extLst>
+              <a:ext uri="{FF2B5EF4-FFF2-40B4-BE49-F238E27FC236}">
+                <a16:creationId xmlns:a16="http://schemas.microsoft.com/office/drawing/2014/main" id="{E0619D87-1D62-949A-E12A-E5AA2DF2DA53}"/>
+              </a:ext>
+            </a:extLst>
+          </p:cNvPr>
+          <p:cNvSpPr txBox="1"/>
+          <p:nvPr/>
+        </p:nvSpPr>
+        <p:spPr>
+          <a:xfrm>
+            <a:off x="8032652" y="2323521"/>
+            <a:ext cx="4224233" cy="4031873"/>
+          </a:xfrm>
+          <a:prstGeom prst="rect">
+            <a:avLst/>
+          </a:prstGeom>
+          <a:noFill/>
+        </p:spPr>
+        <p:txBody>
+          <a:bodyPr wrap="none" rtlCol="0">
+            <a:spAutoFit/>
+          </a:bodyPr>
+          <a:lstStyle/>
+          <a:p>
+            <a:r>
+              <a:rPr lang="en-US" altLang="ko-KR" sz="1600" dirty="0" smtClean="0"/>
+              <a:t>1. </a:t>
+            </a:r>
+            <a:r>
+              <a:rPr lang="ko-KR" altLang="en-US" sz="1600" dirty="0" smtClean="0"/>
+              <a:t>배너 이미지 선택</a:t>
+            </a:r>
+            <a:endParaRPr lang="en-US" altLang="ko-KR" sz="1600" dirty="0" smtClean="0"/>
+          </a:p>
+          <a:p>
+            <a:r>
+              <a:rPr lang="en-US" altLang="ko-KR" sz="1400" dirty="0" smtClean="0"/>
+              <a:t>- </a:t>
+            </a:r>
+            <a:r>
+              <a:rPr lang="ko-KR" altLang="en-US" sz="1400" dirty="0" smtClean="0"/>
+              <a:t>배너에 사용할 </a:t>
+            </a:r>
+            <a:r>
+              <a:rPr lang="ko-KR" altLang="en-US" sz="1400" dirty="0" err="1" smtClean="0"/>
+              <a:t>이미지파일</a:t>
+            </a:r>
+            <a:r>
+              <a:rPr lang="ko-KR" altLang="en-US" sz="1400" dirty="0" smtClean="0"/>
+              <a:t> 선택</a:t>
+            </a:r>
+            <a:endParaRPr lang="en-US" altLang="ko-KR" sz="1400" dirty="0" smtClean="0"/>
+          </a:p>
+          <a:p>
+            <a:pPr marL="285750" indent="-285750">
+              <a:buFontTx/>
+              <a:buChar char="-"/>
+            </a:pPr>
+            <a:endParaRPr lang="en-US" altLang="ko-KR" sz="1600" dirty="0"/>
+          </a:p>
+          <a:p>
+            <a:r>
+              <a:rPr lang="en-US" altLang="ko-KR" sz="1600" dirty="0" smtClean="0"/>
+              <a:t>2. </a:t>
+            </a:r>
+            <a:r>
+              <a:rPr lang="ko-KR" altLang="en-US" sz="1600" dirty="0" smtClean="0"/>
+              <a:t>링크</a:t>
+            </a:r>
+            <a:endParaRPr lang="en-US" altLang="ko-KR" sz="1600" dirty="0" smtClean="0"/>
+          </a:p>
+          <a:p>
+            <a:r>
+              <a:rPr lang="en-US" altLang="ko-KR" sz="1400" dirty="0" smtClean="0"/>
+              <a:t>- </a:t>
+            </a:r>
+            <a:r>
+              <a:rPr lang="ko-KR" altLang="en-US" sz="1400" dirty="0" smtClean="0"/>
+              <a:t>배너 클릭 시 이동할 링크 설정</a:t>
+            </a:r>
+            <a:endParaRPr lang="en-US" altLang="ko-KR" sz="1400" dirty="0" smtClean="0"/>
+          </a:p>
+          <a:p>
+            <a:pPr marL="342900" indent="-342900">
+              <a:buAutoNum type="arabicPeriod" startAt="2"/>
+            </a:pPr>
+            <a:endParaRPr lang="en-US" altLang="ko-KR" sz="1600" dirty="0"/>
+          </a:p>
+          <a:p>
+            <a:r>
+              <a:rPr lang="en-US" altLang="ko-KR" sz="1600" dirty="0" smtClean="0"/>
+              <a:t>3. </a:t>
+            </a:r>
+            <a:r>
+              <a:rPr lang="ko-KR" altLang="en-US" sz="1600" dirty="0" smtClean="0"/>
+              <a:t>팝업 이미지 선택</a:t>
+            </a:r>
+            <a:endParaRPr lang="en-US" altLang="ko-KR" sz="1600" dirty="0" smtClean="0"/>
+          </a:p>
+          <a:p>
+            <a:r>
+              <a:rPr lang="en-US" altLang="ko-KR" sz="1400" dirty="0" smtClean="0"/>
+              <a:t>- </a:t>
+            </a:r>
+            <a:r>
+              <a:rPr lang="ko-KR" altLang="en-US" sz="1400" dirty="0" smtClean="0"/>
+              <a:t>팝업에 사용할 </a:t>
+            </a:r>
+            <a:r>
+              <a:rPr lang="ko-KR" altLang="en-US" sz="1400" dirty="0" err="1" smtClean="0"/>
+              <a:t>이미지파일</a:t>
+            </a:r>
+            <a:r>
+              <a:rPr lang="ko-KR" altLang="en-US" sz="1400" dirty="0" smtClean="0"/>
+              <a:t> 선택</a:t>
+            </a:r>
+            <a:endParaRPr lang="en-US" altLang="ko-KR" sz="1400" dirty="0" smtClean="0"/>
+          </a:p>
+          <a:p>
+            <a:pPr marL="342900" indent="-342900">
+              <a:buAutoNum type="arabicPeriod" startAt="2"/>
+            </a:pPr>
+            <a:endParaRPr lang="en-US" altLang="ko-KR" sz="1600" dirty="0"/>
+          </a:p>
+          <a:p>
+            <a:r>
+              <a:rPr lang="en-US" altLang="ko-KR" sz="1600" dirty="0" smtClean="0"/>
+              <a:t>4. </a:t>
+            </a:r>
+            <a:r>
+              <a:rPr lang="ko-KR" altLang="en-US" sz="1600" dirty="0" smtClean="0"/>
+              <a:t>전송하기 </a:t>
+            </a:r>
+            <a:r>
+              <a:rPr lang="ko-KR" altLang="en-US" sz="1600" dirty="0" smtClean="0"/>
+              <a:t>버튼</a:t>
+            </a:r>
+            <a:endParaRPr lang="en-US" altLang="ko-KR" sz="1600" dirty="0" smtClean="0"/>
+          </a:p>
+          <a:p>
+            <a:r>
+              <a:rPr lang="en-US" altLang="ko-KR" sz="1400" dirty="0" smtClean="0"/>
+              <a:t>- </a:t>
+            </a:r>
+            <a:r>
+              <a:rPr lang="ko-KR" altLang="en-US" sz="1400" dirty="0" smtClean="0"/>
+              <a:t>팝업 </a:t>
+            </a:r>
+            <a:r>
+              <a:rPr lang="ko-KR" altLang="en-US" sz="1400" dirty="0"/>
+              <a:t>클릭 시 이동할 링크 설정</a:t>
+            </a:r>
+            <a:endParaRPr lang="en-US" altLang="ko-KR" sz="1400" dirty="0"/>
+          </a:p>
+          <a:p>
+            <a:endParaRPr lang="en-US" altLang="ko-KR" sz="1400" dirty="0" smtClean="0"/>
+          </a:p>
+          <a:p>
+            <a:r>
+              <a:rPr lang="en-US" altLang="ko-KR" sz="1600" dirty="0" smtClean="0"/>
+              <a:t>5. </a:t>
+            </a:r>
+            <a:r>
+              <a:rPr lang="ko-KR" altLang="en-US" sz="1600" dirty="0" smtClean="0"/>
+              <a:t>취소</a:t>
+            </a:r>
+            <a:endParaRPr lang="en-US" altLang="ko-KR" sz="1600" dirty="0"/>
+          </a:p>
+          <a:p>
+            <a:r>
+              <a:rPr lang="en-US" altLang="ko-KR" sz="1400" dirty="0" smtClean="0"/>
+              <a:t>- </a:t>
+            </a:r>
+            <a:r>
+              <a:rPr lang="ko-KR" altLang="en-US" sz="1400" dirty="0" smtClean="0"/>
+              <a:t>작업했던 내용들을 취소하고 </a:t>
+            </a:r>
+            <a:r>
+              <a:rPr lang="ko-KR" altLang="en-US" sz="1400" dirty="0" smtClean="0"/>
+              <a:t>이전 페이지로 이동</a:t>
+            </a:r>
+            <a:endParaRPr lang="en-US" altLang="ko-KR" sz="1400" dirty="0" smtClean="0"/>
+          </a:p>
+          <a:p>
+            <a:endParaRPr lang="en-US" altLang="ko-KR" sz="1400" dirty="0"/>
+          </a:p>
+          <a:p>
+            <a:r>
+              <a:rPr lang="en-US" altLang="ko-KR" sz="1600" dirty="0" smtClean="0"/>
+              <a:t>6. </a:t>
+            </a:r>
+            <a:r>
+              <a:rPr lang="ko-KR" altLang="en-US" sz="1600" dirty="0" smtClean="0"/>
+              <a:t>등록</a:t>
+            </a:r>
+            <a:endParaRPr lang="en-US" altLang="ko-KR" sz="1600" dirty="0"/>
+          </a:p>
+          <a:p>
+            <a:r>
+              <a:rPr lang="en-US" altLang="ko-KR" sz="1400" dirty="0" smtClean="0"/>
+              <a:t>- </a:t>
+            </a:r>
+            <a:r>
+              <a:rPr lang="ko-KR" altLang="en-US" sz="1400" dirty="0" smtClean="0"/>
+              <a:t>작업한 내용들을 반영하고 이전 페이지로 이동</a:t>
+            </a:r>
+            <a:endParaRPr lang="en-US" altLang="ko-KR" sz="1400" dirty="0"/>
+          </a:p>
+        </p:txBody>
+      </p:sp>
+      <p:pic>
+        <p:nvPicPr>
+          <p:cNvPr id="4" name="그림 3"/>
+          <p:cNvPicPr>
+            <a:picLocks noChangeAspect="1"/>
+          </p:cNvPicPr>
+          <p:nvPr/>
+        </p:nvPicPr>
+        <p:blipFill>
+          <a:blip r:embed="rId3">
+            <a:extLst>
+              <a:ext uri="{28A0092B-C50C-407E-A947-70E740481C1C}">
+                <a14:useLocalDpi xmlns:a14="http://schemas.microsoft.com/office/drawing/2010/main" val="0"/>
+              </a:ext>
+            </a:extLst>
+          </a:blip>
+          <a:stretch>
+            <a:fillRect/>
+          </a:stretch>
+        </p:blipFill>
+        <p:spPr>
+          <a:xfrm>
+            <a:off x="419101" y="1551842"/>
+            <a:ext cx="7315200" cy="5201919"/>
+          </a:xfrm>
+          <a:prstGeom prst="rect">
+            <a:avLst/>
+          </a:prstGeom>
+        </p:spPr>
+      </p:pic>
+      <p:sp>
+        <p:nvSpPr>
+          <p:cNvPr id="12" name="TextBox 11"/>
+          <p:cNvSpPr txBox="1"/>
+          <p:nvPr/>
+        </p:nvSpPr>
+        <p:spPr>
+          <a:xfrm>
+            <a:off x="2424840" y="2584497"/>
+            <a:ext cx="230832" cy="276999"/>
+          </a:xfrm>
+          <a:prstGeom prst="rect">
+            <a:avLst/>
+          </a:prstGeom>
+          <a:noFill/>
+        </p:spPr>
+        <p:txBody>
+          <a:bodyPr wrap="none" lIns="0" tIns="0" rIns="0" bIns="0" rtlCol="0">
+            <a:spAutoFit/>
+          </a:bodyPr>
+          <a:lstStyle/>
+          <a:p>
+            <a:r>
+              <a:rPr lang="ko-KR" altLang="en-US" dirty="0" smtClean="0">
+                <a:solidFill>
+                  <a:srgbClr val="FF0000"/>
+                </a:solidFill>
+              </a:rPr>
+              <a:t>①</a:t>
+            </a:r>
+            <a:endParaRPr lang="ko-KR" altLang="en-US" dirty="0">
+              <a:solidFill>
+                <a:srgbClr val="FF0000"/>
+              </a:solidFill>
+            </a:endParaRPr>
+          </a:p>
+        </p:txBody>
+      </p:sp>
+      <p:sp>
+        <p:nvSpPr>
+          <p:cNvPr id="14" name="TextBox 13"/>
+          <p:cNvSpPr txBox="1"/>
+          <p:nvPr/>
+        </p:nvSpPr>
+        <p:spPr>
+          <a:xfrm>
+            <a:off x="4076701" y="2584496"/>
+            <a:ext cx="230832" cy="276999"/>
+          </a:xfrm>
+          <a:prstGeom prst="rect">
+            <a:avLst/>
+          </a:prstGeom>
+          <a:noFill/>
+        </p:spPr>
+        <p:txBody>
+          <a:bodyPr wrap="none" lIns="0" tIns="0" rIns="0" bIns="0" rtlCol="0">
+            <a:spAutoFit/>
+          </a:bodyPr>
+          <a:lstStyle/>
+          <a:p>
+            <a:r>
+              <a:rPr lang="ko-KR" altLang="en-US" dirty="0" smtClean="0">
+                <a:solidFill>
+                  <a:srgbClr val="FF0000"/>
+                </a:solidFill>
+              </a:rPr>
+              <a:t>②</a:t>
+            </a:r>
+            <a:endParaRPr lang="ko-KR" altLang="en-US" dirty="0">
+              <a:solidFill>
+                <a:srgbClr val="FF0000"/>
+              </a:solidFill>
+            </a:endParaRPr>
+          </a:p>
+        </p:txBody>
+      </p:sp>
+      <p:sp>
+        <p:nvSpPr>
+          <p:cNvPr id="15" name="TextBox 14"/>
+          <p:cNvSpPr txBox="1"/>
+          <p:nvPr/>
+        </p:nvSpPr>
+        <p:spPr>
+          <a:xfrm>
+            <a:off x="4467308" y="5723229"/>
+            <a:ext cx="230832" cy="276999"/>
+          </a:xfrm>
+          <a:prstGeom prst="rect">
+            <a:avLst/>
+          </a:prstGeom>
+          <a:noFill/>
+        </p:spPr>
+        <p:txBody>
+          <a:bodyPr wrap="none" lIns="0" tIns="0" rIns="0" bIns="0" rtlCol="0">
+            <a:spAutoFit/>
+          </a:bodyPr>
+          <a:lstStyle/>
+          <a:p>
+            <a:r>
+              <a:rPr lang="ko-KR" altLang="en-US" dirty="0" smtClean="0">
+                <a:solidFill>
+                  <a:srgbClr val="FF0000"/>
+                </a:solidFill>
+              </a:rPr>
+              <a:t>③</a:t>
+            </a:r>
+            <a:endParaRPr lang="ko-KR" altLang="en-US" dirty="0">
+              <a:solidFill>
+                <a:srgbClr val="FF0000"/>
+              </a:solidFill>
+            </a:endParaRPr>
+          </a:p>
+        </p:txBody>
+      </p:sp>
+      <p:sp>
+        <p:nvSpPr>
+          <p:cNvPr id="16" name="TextBox 15"/>
+          <p:cNvSpPr txBox="1"/>
+          <p:nvPr/>
+        </p:nvSpPr>
+        <p:spPr>
+          <a:xfrm>
+            <a:off x="2967765" y="6000228"/>
+            <a:ext cx="230832" cy="276999"/>
+          </a:xfrm>
+          <a:prstGeom prst="rect">
+            <a:avLst/>
+          </a:prstGeom>
+          <a:noFill/>
+        </p:spPr>
+        <p:txBody>
+          <a:bodyPr wrap="none" lIns="0" tIns="0" rIns="0" bIns="0" rtlCol="0">
+            <a:spAutoFit/>
+          </a:bodyPr>
+          <a:lstStyle/>
+          <a:p>
+            <a:r>
+              <a:rPr lang="ko-KR" altLang="en-US" dirty="0" smtClean="0">
+                <a:solidFill>
+                  <a:srgbClr val="FF0000"/>
+                </a:solidFill>
+              </a:rPr>
+              <a:t>④</a:t>
+            </a:r>
+            <a:endParaRPr lang="ko-KR" altLang="en-US" dirty="0">
+              <a:solidFill>
+                <a:srgbClr val="FF0000"/>
+              </a:solidFill>
+            </a:endParaRPr>
+          </a:p>
+        </p:txBody>
+      </p:sp>
+      <p:sp>
+        <p:nvSpPr>
+          <p:cNvPr id="17" name="TextBox 16"/>
+          <p:cNvSpPr txBox="1"/>
+          <p:nvPr/>
+        </p:nvSpPr>
+        <p:spPr>
+          <a:xfrm>
+            <a:off x="4689814" y="6343697"/>
+            <a:ext cx="230832" cy="276999"/>
+          </a:xfrm>
+          <a:prstGeom prst="rect">
+            <a:avLst/>
+          </a:prstGeom>
+          <a:noFill/>
+        </p:spPr>
+        <p:txBody>
+          <a:bodyPr wrap="none" lIns="0" tIns="0" rIns="0" bIns="0" rtlCol="0">
+            <a:spAutoFit/>
+          </a:bodyPr>
+          <a:lstStyle/>
+          <a:p>
+            <a:r>
+              <a:rPr lang="ko-KR" altLang="en-US" dirty="0" smtClean="0">
+                <a:solidFill>
+                  <a:srgbClr val="FF0000"/>
+                </a:solidFill>
+              </a:rPr>
+              <a:t>⑤</a:t>
+            </a:r>
+            <a:endParaRPr lang="ko-KR" altLang="en-US" dirty="0">
+              <a:solidFill>
+                <a:srgbClr val="FF0000"/>
+              </a:solidFill>
+            </a:endParaRPr>
+          </a:p>
+        </p:txBody>
+      </p:sp>
+      <p:sp>
+        <p:nvSpPr>
+          <p:cNvPr id="18" name="TextBox 17"/>
+          <p:cNvSpPr txBox="1"/>
+          <p:nvPr/>
+        </p:nvSpPr>
+        <p:spPr>
+          <a:xfrm>
+            <a:off x="5539515" y="6343697"/>
+            <a:ext cx="230832" cy="276999"/>
+          </a:xfrm>
+          <a:prstGeom prst="rect">
+            <a:avLst/>
+          </a:prstGeom>
+          <a:noFill/>
+        </p:spPr>
+        <p:txBody>
+          <a:bodyPr wrap="none" lIns="0" tIns="0" rIns="0" bIns="0" rtlCol="0">
+            <a:spAutoFit/>
+          </a:bodyPr>
+          <a:lstStyle/>
+          <a:p>
+            <a:r>
+              <a:rPr lang="ko-KR" altLang="en-US" dirty="0" smtClean="0">
+                <a:solidFill>
+                  <a:srgbClr val="FF0000"/>
+                </a:solidFill>
+              </a:rPr>
+              <a:t>⑥</a:t>
+            </a:r>
+            <a:endParaRPr lang="ko-KR" altLang="en-US" dirty="0">
+              <a:solidFill>
+                <a:srgbClr val="FF0000"/>
+              </a:solidFill>
+            </a:endParaRPr>
+          </a:p>
+        </p:txBody>
+      </p:sp>
+    </p:spTree>
+    <p:extLst>
+      <p:ext uri="{BB962C8B-B14F-4D97-AF65-F5344CB8AC3E}">
+        <p14:creationId xmlns:p14="http://schemas.microsoft.com/office/powerpoint/2010/main" val="784007578"/>
       </p:ext>
     </p:extLst>
   </p:cSld>
@@ -17279,15 +17558,7 @@
             </a:r>
             <a:r>
               <a:rPr lang="ko-KR" altLang="en-US" sz="1400" dirty="0" smtClean="0"/>
-              <a:t>이미지 </a:t>
-            </a:r>
-            <a:r>
-              <a:rPr lang="ko-KR" altLang="en-US" sz="1400" dirty="0" smtClean="0"/>
-              <a:t>클릭 시 해당 상품 상세페이지로 </a:t>
-            </a:r>
-            <a:r>
-              <a:rPr lang="ko-KR" altLang="en-US" sz="1400" dirty="0" smtClean="0"/>
-              <a:t>이동</a:t>
+              <a:t>이미지 클릭 시 해당 상품 상세페이지로 이동</a:t>
             </a:r>
             <a:endParaRPr lang="en-US" altLang="ko-KR" sz="1400" dirty="0" smtClean="0"/>
           </a:p>
@@ -18355,11 +18626,7 @@
             </a:r>
             <a:r>
               <a:rPr lang="ko-KR" altLang="en-US" sz="1400" dirty="0" smtClean="0"/>
-              <a:t> </a:t>
-            </a:r>
-            <a:r>
-              <a:rPr lang="ko-KR" altLang="en-US" sz="1400" dirty="0" smtClean="0"/>
-              <a:t>팝업</a:t>
+              <a:t> 팝업</a:t>
             </a:r>
             <a:endParaRPr lang="en-US" altLang="ko-KR" sz="1400" dirty="0" smtClean="0"/>
           </a:p>
@@ -18392,15 +18659,7 @@
             </a:r>
             <a:r>
               <a:rPr lang="ko-KR" altLang="en-US" sz="1400" dirty="0" smtClean="0"/>
-              <a:t> </a:t>
-            </a:r>
-            <a:r>
-              <a:rPr lang="ko-KR" altLang="en-US" sz="1400" dirty="0" smtClean="0"/>
-              <a:t>읽고 체크박스 </a:t>
-            </a:r>
-            <a:r>
-              <a:rPr lang="ko-KR" altLang="en-US" sz="1400" dirty="0" smtClean="0"/>
-              <a:t>체크</a:t>
+              <a:t> 읽고 체크박스 체크</a:t>
             </a:r>
             <a:endParaRPr lang="en-US" altLang="ko-KR" sz="1400" dirty="0" smtClean="0"/>
           </a:p>
@@ -18987,15 +19246,7 @@
             </a:r>
             <a:r>
               <a:rPr lang="ko-KR" altLang="en-US" sz="1400" dirty="0" smtClean="0"/>
-              <a:t>입력한 </a:t>
-            </a:r>
-            <a:r>
-              <a:rPr lang="ko-KR" altLang="en-US" sz="1400" dirty="0" smtClean="0"/>
-              <a:t>전화번호로 인증번호 </a:t>
-            </a:r>
-            <a:r>
-              <a:rPr lang="ko-KR" altLang="en-US" sz="1400" dirty="0" smtClean="0"/>
-              <a:t>전송</a:t>
+              <a:t>입력한 전화번호로 인증번호 전송</a:t>
             </a:r>
             <a:endParaRPr lang="en-US" altLang="ko-KR" sz="1400" dirty="0" smtClean="0"/>
           </a:p>
@@ -19035,15 +19286,7 @@
             </a:r>
             <a:r>
               <a:rPr lang="ko-KR" altLang="en-US" sz="1400" dirty="0" smtClean="0"/>
-              <a:t>아닐 </a:t>
-            </a:r>
-            <a:r>
-              <a:rPr lang="ko-KR" altLang="en-US" sz="1400" dirty="0" smtClean="0"/>
-              <a:t>시 하단에 경고 문구 </a:t>
-            </a:r>
-            <a:r>
-              <a:rPr lang="ko-KR" altLang="en-US" sz="1400" dirty="0" smtClean="0"/>
-              <a:t>표출</a:t>
+              <a:t>아닐 시 하단에 경고 문구 표출</a:t>
             </a:r>
             <a:endParaRPr lang="en-US" altLang="ko-KR" sz="1400" dirty="0" smtClean="0"/>
           </a:p>
@@ -19083,15 +19326,7 @@
             </a:r>
             <a:r>
               <a:rPr lang="ko-KR" altLang="en-US" sz="1400" dirty="0" smtClean="0"/>
-              <a:t>입력한 </a:t>
-            </a:r>
-            <a:r>
-              <a:rPr lang="ko-KR" altLang="en-US" sz="1400" dirty="0" smtClean="0"/>
-              <a:t>이메일로 인증번호 </a:t>
-            </a:r>
-            <a:r>
-              <a:rPr lang="ko-KR" altLang="en-US" sz="1400" dirty="0" smtClean="0"/>
-              <a:t>전송</a:t>
+              <a:t>입력한 이메일로 인증번호 전송</a:t>
             </a:r>
             <a:endParaRPr lang="en-US" altLang="ko-KR" sz="1400" dirty="0" smtClean="0"/>
           </a:p>
